--- a/part1/src/slides.pptx
+++ b/part1/src/slides.pptx
@@ -5,7 +5,7 @@
     <p:sldMasterId id="2147483648" r:id="rId1"/>
   </p:sldMasterIdLst>
   <p:notesMasterIdLst>
-    <p:NotesMasterId r:id="rId19"/>
+    <p:NotesMasterId r:id="rId24"/>
   </p:notesMasterIdLst>
   <p:sldIdLst>
     <p:sldId id="256" r:id="rId2"/>
@@ -25,6 +25,11 @@
     <p:sldId id="270" r:id="rId16"/>
     <p:sldId id="271" r:id="rId17"/>
     <p:sldId id="272" r:id="rId18"/>
+    <p:sldId id="273" r:id="rId19"/>
+    <p:sldId id="274" r:id="rId20"/>
+    <p:sldId id="275" r:id="rId21"/>
+    <p:sldId id="276" r:id="rId22"/>
+    <p:sldId id="277" r:id="rId23"/>
   </p:sldIdLst>
   <p:sldSz cx="9144000" cy="6858000" type="screen4x3"/>
   <p:notesSz cx="6858000" cy="9144000"/>
@@ -224,7 +229,7 @@
           <a:p>
             <a:fld id="{0F9C1CCF-B725-44A7-AA57-5E433BD85C9F}" type="datetimeFigureOut">
               <a:rPr lang="en-US" smtClean="0"/>
-              <a:t>2/17/2018</a:t>
+              <a:t>4/5/2019</a:t>
             </a:fld>
             <a:endParaRPr lang="en-US"/>
           </a:p>
@@ -1480,6 +1485,1412 @@
 </p:notes>
 </file>
 
+<file path=ppt/notesSlides/notesSlide10.xml><?xml version="1.0" encoding="utf-8"?>
+<p:notes xmlns:a="http://schemas.openxmlformats.org/drawingml/2006/main" xmlns:r="http://schemas.openxmlformats.org/officeDocument/2006/relationships" xmlns:p="http://schemas.openxmlformats.org/presentationml/2006/main">
+  <p:cSld>
+    <p:spTree>
+      <p:nvGrpSpPr>
+        <p:cNvPr id="1" name=""/>
+        <p:cNvGrpSpPr/>
+        <p:nvPr/>
+      </p:nvGrpSpPr>
+      <p:grpSpPr>
+        <a:xfrm>
+          <a:off x="0" y="0"/>
+          <a:ext cx="0" cy="0"/>
+          <a:chOff x="0" y="0"/>
+          <a:chExt cx="0" cy="0"/>
+        </a:xfrm>
+      </p:grpSpPr>
+      <p:sp>
+        <p:nvSpPr>
+          <p:cNvPr id="2" name="Slide Image Placeholder 1"/>
+          <p:cNvSpPr>
+            <a:spLocks noGrp="1" noRot="1" noChangeAspect="1"/>
+          </p:cNvSpPr>
+          <p:nvPr>
+            <p:ph type="sldImg"/>
+          </p:nvPr>
+        </p:nvSpPr>
+        <p:spPr/>
+      </p:sp>
+      <p:sp>
+        <p:nvSpPr>
+          <p:cNvPr id="3" name="Notes Placeholder 2"/>
+          <p:cNvSpPr>
+            <a:spLocks noGrp="1"/>
+          </p:cNvSpPr>
+          <p:nvPr>
+            <p:ph type="body" idx="1"/>
+          </p:nvPr>
+        </p:nvSpPr>
+        <p:spPr/>
+        <p:txBody>
+          <a:bodyPr/>
+          <a:lstStyle/>
+          <a:p>
+            <a:pPr lvl="0" marL="0" indent="0">
+              <a:buNone/>
+            </a:pPr>
+            <a:r>
+              <a:rPr/>
+              <a:t>Here</a:t>
+            </a:r>
+            <a:r>
+              <a:rPr/>
+              <a:t> </a:t>
+            </a:r>
+            <a:r>
+              <a:rPr/>
+              <a:t>is</a:t>
+            </a:r>
+            <a:r>
+              <a:rPr/>
+              <a:t> </a:t>
+            </a:r>
+            <a:r>
+              <a:rPr/>
+              <a:t>the</a:t>
+            </a:r>
+            <a:r>
+              <a:rPr/>
+              <a:t> </a:t>
+            </a:r>
+            <a:r>
+              <a:rPr/>
+              <a:t>full</a:t>
+            </a:r>
+            <a:r>
+              <a:rPr/>
+              <a:t> </a:t>
+            </a:r>
+            <a:r>
+              <a:rPr/>
+              <a:t>output.</a:t>
+            </a:r>
+            <a:r>
+              <a:rPr/>
+              <a:t> </a:t>
+            </a:r>
+            <a:r>
+              <a:rPr/>
+              <a:t>The</a:t>
+            </a:r>
+            <a:r>
+              <a:rPr/>
+              <a:t> </a:t>
+            </a:r>
+            <a:r>
+              <a:rPr/>
+              <a:t>fonts</a:t>
+            </a:r>
+            <a:r>
+              <a:rPr/>
+              <a:t> </a:t>
+            </a:r>
+            <a:r>
+              <a:rPr/>
+              <a:t>are</a:t>
+            </a:r>
+            <a:r>
+              <a:rPr/>
+              <a:t> </a:t>
+            </a:r>
+            <a:r>
+              <a:rPr/>
+              <a:t>too</a:t>
+            </a:r>
+            <a:r>
+              <a:rPr/>
+              <a:t> </a:t>
+            </a:r>
+            <a:r>
+              <a:rPr/>
+              <a:t>small</a:t>
+            </a:r>
+            <a:r>
+              <a:rPr/>
+              <a:t> </a:t>
+            </a:r>
+            <a:r>
+              <a:rPr/>
+              <a:t>to</a:t>
+            </a:r>
+            <a:r>
+              <a:rPr/>
+              <a:t> </a:t>
+            </a:r>
+            <a:r>
+              <a:rPr/>
+              <a:t>read,</a:t>
+            </a:r>
+            <a:r>
+              <a:rPr/>
+              <a:t> </a:t>
+            </a:r>
+            <a:r>
+              <a:rPr/>
+              <a:t>so</a:t>
+            </a:r>
+            <a:r>
+              <a:rPr/>
+              <a:t> </a:t>
+            </a:r>
+            <a:r>
+              <a:rPr/>
+              <a:t>let’s</a:t>
+            </a:r>
+            <a:r>
+              <a:rPr/>
+              <a:t> </a:t>
+            </a:r>
+            <a:r>
+              <a:rPr/>
+              <a:t>zoom</a:t>
+            </a:r>
+            <a:r>
+              <a:rPr/>
+              <a:t> </a:t>
+            </a:r>
+            <a:r>
+              <a:rPr/>
+              <a:t>in</a:t>
+            </a:r>
+            <a:r>
+              <a:rPr/>
+              <a:t> </a:t>
+            </a:r>
+            <a:r>
+              <a:rPr/>
+              <a:t>again</a:t>
+            </a:r>
+            <a:r>
+              <a:rPr/>
+              <a:t> </a:t>
+            </a:r>
+            <a:r>
+              <a:rPr/>
+              <a:t>on</a:t>
+            </a:r>
+            <a:r>
+              <a:rPr/>
+              <a:t> </a:t>
+            </a:r>
+            <a:r>
+              <a:rPr/>
+              <a:t>individual</a:t>
+            </a:r>
+            <a:r>
+              <a:rPr/>
+              <a:t> </a:t>
+            </a:r>
+            <a:r>
+              <a:rPr/>
+              <a:t>pieces.</a:t>
+            </a:r>
+          </a:p>
+        </p:txBody>
+      </p:sp>
+      <p:sp>
+        <p:nvSpPr>
+          <p:cNvPr id="4" name="Slide Number Placeholder 3"/>
+          <p:cNvSpPr>
+            <a:spLocks noGrp="1"/>
+          </p:cNvSpPr>
+          <p:nvPr>
+            <p:ph type="sldNum" sz="quarter" idx="10"/>
+          </p:nvPr>
+        </p:nvSpPr>
+        <p:spPr/>
+        <p:txBody>
+          <a:bodyPr/>
+          <a:lstStyle/>
+          <a:p>
+            <a:fld id="{18BDFEC3-8487-43E8-A154-7C12CBC1FFF2}" type="slidenum">
+              <a:rPr lang="en-US"/>
+              <a:t>16</a:t>
+            </a:fld>
+            <a:endParaRPr lang="en-US"/>
+          </a:p>
+        </p:txBody>
+      </p:sp>
+    </p:spTree>
+  </p:cSld>
+</p:notes>
+</file>
+
+<file path=ppt/notesSlides/notesSlide11.xml><?xml version="1.0" encoding="utf-8"?>
+<p:notes xmlns:a="http://schemas.openxmlformats.org/drawingml/2006/main" xmlns:r="http://schemas.openxmlformats.org/officeDocument/2006/relationships" xmlns:p="http://schemas.openxmlformats.org/presentationml/2006/main">
+  <p:cSld>
+    <p:spTree>
+      <p:nvGrpSpPr>
+        <p:cNvPr id="1" name=""/>
+        <p:cNvGrpSpPr/>
+        <p:nvPr/>
+      </p:nvGrpSpPr>
+      <p:grpSpPr>
+        <a:xfrm>
+          <a:off x="0" y="0"/>
+          <a:ext cx="0" cy="0"/>
+          <a:chOff x="0" y="0"/>
+          <a:chExt cx="0" cy="0"/>
+        </a:xfrm>
+      </p:grpSpPr>
+      <p:sp>
+        <p:nvSpPr>
+          <p:cNvPr id="2" name="Slide Image Placeholder 1"/>
+          <p:cNvSpPr>
+            <a:spLocks noGrp="1" noRot="1" noChangeAspect="1"/>
+          </p:cNvSpPr>
+          <p:nvPr>
+            <p:ph type="sldImg"/>
+          </p:nvPr>
+        </p:nvSpPr>
+        <p:spPr/>
+      </p:sp>
+      <p:sp>
+        <p:nvSpPr>
+          <p:cNvPr id="3" name="Notes Placeholder 2"/>
+          <p:cNvSpPr>
+            <a:spLocks noGrp="1"/>
+          </p:cNvSpPr>
+          <p:nvPr>
+            <p:ph type="body" idx="1"/>
+          </p:nvPr>
+        </p:nvSpPr>
+        <p:spPr/>
+        <p:txBody>
+          <a:bodyPr/>
+          <a:lstStyle/>
+          <a:p>
+            <a:pPr lvl="0" marL="0" indent="0">
+              <a:buNone/>
+            </a:pPr>
+            <a:r>
+              <a:rPr/>
+              <a:t>This</a:t>
+            </a:r>
+            <a:r>
+              <a:rPr/>
+              <a:t> </a:t>
+            </a:r>
+            <a:r>
+              <a:rPr/>
+              <a:t>is</a:t>
+            </a:r>
+            <a:r>
+              <a:rPr/>
+              <a:t> </a:t>
+            </a:r>
+            <a:r>
+              <a:rPr/>
+              <a:t>the</a:t>
+            </a:r>
+            <a:r>
+              <a:rPr/>
+              <a:t> </a:t>
+            </a:r>
+            <a:r>
+              <a:rPr/>
+              <a:t>header.</a:t>
+            </a:r>
+            <a:r>
+              <a:rPr/>
+              <a:t> </a:t>
+            </a:r>
+            <a:r>
+              <a:rPr/>
+              <a:t>It</a:t>
+            </a:r>
+            <a:r>
+              <a:rPr/>
+              <a:t> </a:t>
+            </a:r>
+            <a:r>
+              <a:rPr/>
+              <a:t>displays</a:t>
+            </a:r>
+            <a:r>
+              <a:rPr/>
+              <a:t> </a:t>
+            </a:r>
+            <a:r>
+              <a:rPr/>
+              <a:t>the</a:t>
+            </a:r>
+            <a:r>
+              <a:rPr/>
+              <a:t> </a:t>
+            </a:r>
+            <a:r>
+              <a:rPr/>
+              <a:t>title,</a:t>
+            </a:r>
+            <a:r>
+              <a:rPr/>
+              <a:t> </a:t>
+            </a:r>
+            <a:r>
+              <a:rPr/>
+              <a:t>author,</a:t>
+            </a:r>
+            <a:r>
+              <a:rPr/>
+              <a:t> </a:t>
+            </a:r>
+            <a:r>
+              <a:rPr/>
+              <a:t>and</a:t>
+            </a:r>
+            <a:r>
+              <a:rPr/>
+              <a:t> </a:t>
+            </a:r>
+            <a:r>
+              <a:rPr/>
+              <a:t>date</a:t>
+            </a:r>
+            <a:r>
+              <a:rPr/>
+              <a:t> </a:t>
+            </a:r>
+            <a:r>
+              <a:rPr/>
+              <a:t>from</a:t>
+            </a:r>
+            <a:r>
+              <a:rPr/>
+              <a:t> </a:t>
+            </a:r>
+            <a:r>
+              <a:rPr/>
+              <a:t>the</a:t>
+            </a:r>
+            <a:r>
+              <a:rPr/>
+              <a:t> </a:t>
+            </a:r>
+            <a:r>
+              <a:rPr/>
+              <a:t>code</a:t>
+            </a:r>
+            <a:r>
+              <a:rPr/>
+              <a:t> </a:t>
+            </a:r>
+            <a:r>
+              <a:rPr/>
+              <a:t>header.</a:t>
+            </a:r>
+          </a:p>
+        </p:txBody>
+      </p:sp>
+      <p:sp>
+        <p:nvSpPr>
+          <p:cNvPr id="4" name="Slide Number Placeholder 3"/>
+          <p:cNvSpPr>
+            <a:spLocks noGrp="1"/>
+          </p:cNvSpPr>
+          <p:nvPr>
+            <p:ph type="sldNum" sz="quarter" idx="10"/>
+          </p:nvPr>
+        </p:nvSpPr>
+        <p:spPr/>
+        <p:txBody>
+          <a:bodyPr/>
+          <a:lstStyle/>
+          <a:p>
+            <a:fld id="{18BDFEC3-8487-43E8-A154-7C12CBC1FFF2}" type="slidenum">
+              <a:rPr lang="en-US"/>
+              <a:t>17</a:t>
+            </a:fld>
+            <a:endParaRPr lang="en-US"/>
+          </a:p>
+        </p:txBody>
+      </p:sp>
+    </p:spTree>
+  </p:cSld>
+</p:notes>
+</file>
+
+<file path=ppt/notesSlides/notesSlide12.xml><?xml version="1.0" encoding="utf-8"?>
+<p:notes xmlns:a="http://schemas.openxmlformats.org/drawingml/2006/main" xmlns:r="http://schemas.openxmlformats.org/officeDocument/2006/relationships" xmlns:p="http://schemas.openxmlformats.org/presentationml/2006/main">
+  <p:cSld>
+    <p:spTree>
+      <p:nvGrpSpPr>
+        <p:cNvPr id="1" name=""/>
+        <p:cNvGrpSpPr/>
+        <p:nvPr/>
+      </p:nvGrpSpPr>
+      <p:grpSpPr>
+        <a:xfrm>
+          <a:off x="0" y="0"/>
+          <a:ext cx="0" cy="0"/>
+          <a:chOff x="0" y="0"/>
+          <a:chExt cx="0" cy="0"/>
+        </a:xfrm>
+      </p:grpSpPr>
+      <p:sp>
+        <p:nvSpPr>
+          <p:cNvPr id="2" name="Slide Image Placeholder 1"/>
+          <p:cNvSpPr>
+            <a:spLocks noGrp="1" noRot="1" noChangeAspect="1"/>
+          </p:cNvSpPr>
+          <p:nvPr>
+            <p:ph type="sldImg"/>
+          </p:nvPr>
+        </p:nvSpPr>
+        <p:spPr/>
+      </p:sp>
+      <p:sp>
+        <p:nvSpPr>
+          <p:cNvPr id="3" name="Notes Placeholder 2"/>
+          <p:cNvSpPr>
+            <a:spLocks noGrp="1"/>
+          </p:cNvSpPr>
+          <p:nvPr>
+            <p:ph type="body" idx="1"/>
+          </p:nvPr>
+        </p:nvSpPr>
+        <p:spPr/>
+        <p:txBody>
+          <a:bodyPr/>
+          <a:lstStyle/>
+          <a:p>
+            <a:pPr lvl="0" marL="0" indent="0">
+              <a:buNone/>
+            </a:pPr>
+            <a:r>
+              <a:rPr/>
+              <a:t>This</a:t>
+            </a:r>
+            <a:r>
+              <a:rPr/>
+              <a:t> </a:t>
+            </a:r>
+            <a:r>
+              <a:rPr/>
+              <a:t>is</a:t>
+            </a:r>
+            <a:r>
+              <a:rPr/>
+              <a:t> </a:t>
+            </a:r>
+            <a:r>
+              <a:rPr/>
+              <a:t>first</a:t>
+            </a:r>
+            <a:r>
+              <a:rPr/>
+              <a:t> </a:t>
+            </a:r>
+            <a:r>
+              <a:rPr/>
+              <a:t>set</a:t>
+            </a:r>
+            <a:r>
+              <a:rPr/>
+              <a:t> </a:t>
+            </a:r>
+            <a:r>
+              <a:rPr/>
+              <a:t>of</a:t>
+            </a:r>
+            <a:r>
+              <a:rPr/>
+              <a:t> </a:t>
+            </a:r>
+            <a:r>
+              <a:rPr/>
+              <a:t>free</a:t>
+            </a:r>
+            <a:r>
+              <a:rPr/>
+              <a:t> </a:t>
+            </a:r>
+            <a:r>
+              <a:rPr/>
+              <a:t>text.</a:t>
+            </a:r>
+            <a:r>
+              <a:rPr/>
+              <a:t> </a:t>
+            </a:r>
+            <a:r>
+              <a:rPr/>
+              <a:t>Rmarkdown</a:t>
+            </a:r>
+            <a:r>
+              <a:rPr/>
+              <a:t> </a:t>
+            </a:r>
+            <a:r>
+              <a:rPr/>
+              <a:t>will</a:t>
+            </a:r>
+            <a:r>
+              <a:rPr/>
+              <a:t> </a:t>
+            </a:r>
+            <a:r>
+              <a:rPr/>
+              <a:t>reflow</a:t>
+            </a:r>
+            <a:r>
+              <a:rPr/>
+              <a:t> </a:t>
+            </a:r>
+            <a:r>
+              <a:rPr/>
+              <a:t>the</a:t>
+            </a:r>
+            <a:r>
+              <a:rPr/>
+              <a:t> </a:t>
+            </a:r>
+            <a:r>
+              <a:rPr/>
+              <a:t>text,</a:t>
+            </a:r>
+            <a:r>
+              <a:rPr/>
+              <a:t> </a:t>
+            </a:r>
+            <a:r>
+              <a:rPr/>
+              <a:t>if</a:t>
+            </a:r>
+            <a:r>
+              <a:rPr/>
+              <a:t> </a:t>
+            </a:r>
+            <a:r>
+              <a:rPr/>
+              <a:t>needed,</a:t>
+            </a:r>
+            <a:r>
+              <a:rPr/>
+              <a:t> </a:t>
+            </a:r>
+            <a:r>
+              <a:rPr/>
+              <a:t>to</a:t>
+            </a:r>
+            <a:r>
+              <a:rPr/>
+              <a:t> </a:t>
+            </a:r>
+            <a:r>
+              <a:rPr/>
+              <a:t>fit</a:t>
+            </a:r>
+            <a:r>
+              <a:rPr/>
+              <a:t> </a:t>
+            </a:r>
+            <a:r>
+              <a:rPr/>
+              <a:t>inside</a:t>
+            </a:r>
+            <a:r>
+              <a:rPr/>
+              <a:t> </a:t>
+            </a:r>
+            <a:r>
+              <a:rPr/>
+              <a:t>the</a:t>
+            </a:r>
+            <a:r>
+              <a:rPr/>
+              <a:t> </a:t>
+            </a:r>
+            <a:r>
+              <a:rPr/>
+              <a:t>margins.</a:t>
+            </a:r>
+          </a:p>
+        </p:txBody>
+      </p:sp>
+      <p:sp>
+        <p:nvSpPr>
+          <p:cNvPr id="4" name="Slide Number Placeholder 3"/>
+          <p:cNvSpPr>
+            <a:spLocks noGrp="1"/>
+          </p:cNvSpPr>
+          <p:nvPr>
+            <p:ph type="sldNum" sz="quarter" idx="10"/>
+          </p:nvPr>
+        </p:nvSpPr>
+        <p:spPr/>
+        <p:txBody>
+          <a:bodyPr/>
+          <a:lstStyle/>
+          <a:p>
+            <a:fld id="{18BDFEC3-8487-43E8-A154-7C12CBC1FFF2}" type="slidenum">
+              <a:rPr lang="en-US"/>
+              <a:t>18</a:t>
+            </a:fld>
+            <a:endParaRPr lang="en-US"/>
+          </a:p>
+        </p:txBody>
+      </p:sp>
+    </p:spTree>
+  </p:cSld>
+</p:notes>
+</file>
+
+<file path=ppt/notesSlides/notesSlide13.xml><?xml version="1.0" encoding="utf-8"?>
+<p:notes xmlns:a="http://schemas.openxmlformats.org/drawingml/2006/main" xmlns:r="http://schemas.openxmlformats.org/officeDocument/2006/relationships" xmlns:p="http://schemas.openxmlformats.org/presentationml/2006/main">
+  <p:cSld>
+    <p:spTree>
+      <p:nvGrpSpPr>
+        <p:cNvPr id="1" name=""/>
+        <p:cNvGrpSpPr/>
+        <p:nvPr/>
+      </p:nvGrpSpPr>
+      <p:grpSpPr>
+        <a:xfrm>
+          <a:off x="0" y="0"/>
+          <a:ext cx="0" cy="0"/>
+          <a:chOff x="0" y="0"/>
+          <a:chExt cx="0" cy="0"/>
+        </a:xfrm>
+      </p:grpSpPr>
+      <p:sp>
+        <p:nvSpPr>
+          <p:cNvPr id="2" name="Slide Image Placeholder 1"/>
+          <p:cNvSpPr>
+            <a:spLocks noGrp="1" noRot="1" noChangeAspect="1"/>
+          </p:cNvSpPr>
+          <p:nvPr>
+            <p:ph type="sldImg"/>
+          </p:nvPr>
+        </p:nvSpPr>
+        <p:spPr/>
+      </p:sp>
+      <p:sp>
+        <p:nvSpPr>
+          <p:cNvPr id="3" name="Notes Placeholder 2"/>
+          <p:cNvSpPr>
+            <a:spLocks noGrp="1"/>
+          </p:cNvSpPr>
+          <p:nvPr>
+            <p:ph type="body" idx="1"/>
+          </p:nvPr>
+        </p:nvSpPr>
+        <p:spPr/>
+        <p:txBody>
+          <a:bodyPr/>
+          <a:lstStyle/>
+          <a:p>
+            <a:pPr lvl="0" marL="0" indent="0">
+              <a:buNone/>
+            </a:pPr>
+            <a:r>
+              <a:rPr/>
+              <a:t>This</a:t>
+            </a:r>
+            <a:r>
+              <a:rPr/>
+              <a:t> </a:t>
+            </a:r>
+            <a:r>
+              <a:rPr/>
+              <a:t>is</a:t>
+            </a:r>
+            <a:r>
+              <a:rPr/>
+              <a:t> </a:t>
+            </a:r>
+            <a:r>
+              <a:rPr/>
+              <a:t>the</a:t>
+            </a:r>
+            <a:r>
+              <a:rPr/>
+              <a:t> </a:t>
+            </a:r>
+            <a:r>
+              <a:rPr/>
+              <a:t>first</a:t>
+            </a:r>
+            <a:r>
+              <a:rPr/>
+              <a:t> </a:t>
+            </a:r>
+            <a:r>
+              <a:rPr/>
+              <a:t>code</a:t>
+            </a:r>
+            <a:r>
+              <a:rPr/>
+              <a:t> </a:t>
+            </a:r>
+            <a:r>
+              <a:rPr/>
+              <a:t>chunk.</a:t>
+            </a:r>
+            <a:r>
+              <a:rPr/>
+              <a:t> </a:t>
+            </a:r>
+            <a:r>
+              <a:rPr/>
+              <a:t>By</a:t>
+            </a:r>
+            <a:r>
+              <a:rPr/>
+              <a:t> </a:t>
+            </a:r>
+            <a:r>
+              <a:rPr/>
+              <a:t>default,</a:t>
+            </a:r>
+            <a:r>
+              <a:rPr/>
+              <a:t> </a:t>
+            </a:r>
+            <a:r>
+              <a:rPr/>
+              <a:t>Rmarkdown</a:t>
+            </a:r>
+            <a:r>
+              <a:rPr/>
+              <a:t> </a:t>
+            </a:r>
+            <a:r>
+              <a:rPr/>
+              <a:t>will</a:t>
+            </a:r>
+            <a:r>
+              <a:rPr/>
+              <a:t> </a:t>
+            </a:r>
+            <a:r>
+              <a:rPr/>
+              <a:t>display</a:t>
+            </a:r>
+            <a:r>
+              <a:rPr/>
+              <a:t> </a:t>
+            </a:r>
+            <a:r>
+              <a:rPr/>
+              <a:t>the</a:t>
+            </a:r>
+            <a:r>
+              <a:rPr/>
+              <a:t> </a:t>
+            </a:r>
+            <a:r>
+              <a:rPr/>
+              <a:t>individual</a:t>
+            </a:r>
+            <a:r>
+              <a:rPr/>
+              <a:t> </a:t>
+            </a:r>
+            <a:r>
+              <a:rPr/>
+              <a:t>commands</a:t>
+            </a:r>
+            <a:r>
+              <a:rPr/>
+              <a:t> </a:t>
+            </a:r>
+            <a:r>
+              <a:rPr/>
+              <a:t>in</a:t>
+            </a:r>
+            <a:r>
+              <a:rPr/>
+              <a:t> </a:t>
+            </a:r>
+            <a:r>
+              <a:rPr/>
+              <a:t>a</a:t>
+            </a:r>
+            <a:r>
+              <a:rPr/>
+              <a:t> </a:t>
+            </a:r>
+            <a:r>
+              <a:rPr/>
+              <a:t>gray</a:t>
+            </a:r>
+            <a:r>
+              <a:rPr/>
+              <a:t> </a:t>
+            </a:r>
+            <a:r>
+              <a:rPr/>
+              <a:t>box,</a:t>
+            </a:r>
+            <a:r>
+              <a:rPr/>
+              <a:t> </a:t>
+            </a:r>
+            <a:r>
+              <a:rPr/>
+              <a:t>followed</a:t>
+            </a:r>
+            <a:r>
+              <a:rPr/>
+              <a:t> </a:t>
+            </a:r>
+            <a:r>
+              <a:rPr/>
+              <a:t>by</a:t>
+            </a:r>
+            <a:r>
+              <a:rPr/>
+              <a:t> </a:t>
+            </a:r>
+            <a:r>
+              <a:rPr/>
+              <a:t>the</a:t>
+            </a:r>
+            <a:r>
+              <a:rPr/>
+              <a:t> </a:t>
+            </a:r>
+            <a:r>
+              <a:rPr/>
+              <a:t>output</a:t>
+            </a:r>
+            <a:r>
+              <a:rPr/>
+              <a:t> </a:t>
+            </a:r>
+            <a:r>
+              <a:rPr/>
+              <a:t>in</a:t>
+            </a:r>
+            <a:r>
+              <a:rPr/>
+              <a:t> </a:t>
+            </a:r>
+            <a:r>
+              <a:rPr/>
+              <a:t>a</a:t>
+            </a:r>
+            <a:r>
+              <a:rPr/>
+              <a:t> </a:t>
+            </a:r>
+            <a:r>
+              <a:rPr/>
+              <a:t>white</a:t>
+            </a:r>
+            <a:r>
+              <a:rPr/>
+              <a:t> </a:t>
+            </a:r>
+            <a:r>
+              <a:rPr/>
+              <a:t>box.</a:t>
+            </a:r>
+          </a:p>
+        </p:txBody>
+      </p:sp>
+      <p:sp>
+        <p:nvSpPr>
+          <p:cNvPr id="4" name="Slide Number Placeholder 3"/>
+          <p:cNvSpPr>
+            <a:spLocks noGrp="1"/>
+          </p:cNvSpPr>
+          <p:nvPr>
+            <p:ph type="sldNum" sz="quarter" idx="10"/>
+          </p:nvPr>
+        </p:nvSpPr>
+        <p:spPr/>
+        <p:txBody>
+          <a:bodyPr/>
+          <a:lstStyle/>
+          <a:p>
+            <a:fld id="{18BDFEC3-8487-43E8-A154-7C12CBC1FFF2}" type="slidenum">
+              <a:rPr lang="en-US"/>
+              <a:t>19</a:t>
+            </a:fld>
+            <a:endParaRPr lang="en-US"/>
+          </a:p>
+        </p:txBody>
+      </p:sp>
+    </p:spTree>
+  </p:cSld>
+</p:notes>
+</file>
+
+<file path=ppt/notesSlides/notesSlide14.xml><?xml version="1.0" encoding="utf-8"?>
+<p:notes xmlns:a="http://schemas.openxmlformats.org/drawingml/2006/main" xmlns:r="http://schemas.openxmlformats.org/officeDocument/2006/relationships" xmlns:p="http://schemas.openxmlformats.org/presentationml/2006/main">
+  <p:cSld>
+    <p:spTree>
+      <p:nvGrpSpPr>
+        <p:cNvPr id="1" name=""/>
+        <p:cNvGrpSpPr/>
+        <p:nvPr/>
+      </p:nvGrpSpPr>
+      <p:grpSpPr>
+        <a:xfrm>
+          <a:off x="0" y="0"/>
+          <a:ext cx="0" cy="0"/>
+          <a:chOff x="0" y="0"/>
+          <a:chExt cx="0" cy="0"/>
+        </a:xfrm>
+      </p:grpSpPr>
+      <p:sp>
+        <p:nvSpPr>
+          <p:cNvPr id="2" name="Slide Image Placeholder 1"/>
+          <p:cNvSpPr>
+            <a:spLocks noGrp="1" noRot="1" noChangeAspect="1"/>
+          </p:cNvSpPr>
+          <p:nvPr>
+            <p:ph type="sldImg"/>
+          </p:nvPr>
+        </p:nvSpPr>
+        <p:spPr/>
+      </p:sp>
+      <p:sp>
+        <p:nvSpPr>
+          <p:cNvPr id="3" name="Notes Placeholder 2"/>
+          <p:cNvSpPr>
+            <a:spLocks noGrp="1"/>
+          </p:cNvSpPr>
+          <p:nvPr>
+            <p:ph type="body" idx="1"/>
+          </p:nvPr>
+        </p:nvSpPr>
+        <p:spPr/>
+        <p:txBody>
+          <a:bodyPr/>
+          <a:lstStyle/>
+          <a:p>
+            <a:pPr lvl="0" marL="0" indent="0">
+              <a:buNone/>
+            </a:pPr>
+            <a:r>
+              <a:rPr/>
+              <a:t>This</a:t>
+            </a:r>
+            <a:r>
+              <a:rPr/>
+              <a:t> </a:t>
+            </a:r>
+            <a:r>
+              <a:rPr/>
+              <a:t>is</a:t>
+            </a:r>
+            <a:r>
+              <a:rPr/>
+              <a:t> </a:t>
+            </a:r>
+            <a:r>
+              <a:rPr/>
+              <a:t>second</a:t>
+            </a:r>
+            <a:r>
+              <a:rPr/>
+              <a:t> </a:t>
+            </a:r>
+            <a:r>
+              <a:rPr/>
+              <a:t>set</a:t>
+            </a:r>
+            <a:r>
+              <a:rPr/>
+              <a:t> </a:t>
+            </a:r>
+            <a:r>
+              <a:rPr/>
+              <a:t>of</a:t>
+            </a:r>
+            <a:r>
+              <a:rPr/>
+              <a:t> </a:t>
+            </a:r>
+            <a:r>
+              <a:rPr/>
+              <a:t>free</a:t>
+            </a:r>
+            <a:r>
+              <a:rPr/>
+              <a:t> </a:t>
+            </a:r>
+            <a:r>
+              <a:rPr/>
+              <a:t>text.</a:t>
+            </a:r>
+          </a:p>
+        </p:txBody>
+      </p:sp>
+      <p:sp>
+        <p:nvSpPr>
+          <p:cNvPr id="4" name="Slide Number Placeholder 3"/>
+          <p:cNvSpPr>
+            <a:spLocks noGrp="1"/>
+          </p:cNvSpPr>
+          <p:nvPr>
+            <p:ph type="sldNum" sz="quarter" idx="10"/>
+          </p:nvPr>
+        </p:nvSpPr>
+        <p:spPr/>
+        <p:txBody>
+          <a:bodyPr/>
+          <a:lstStyle/>
+          <a:p>
+            <a:fld id="{18BDFEC3-8487-43E8-A154-7C12CBC1FFF2}" type="slidenum">
+              <a:rPr lang="en-US"/>
+              <a:t>20</a:t>
+            </a:fld>
+            <a:endParaRPr lang="en-US"/>
+          </a:p>
+        </p:txBody>
+      </p:sp>
+    </p:spTree>
+  </p:cSld>
+</p:notes>
+</file>
+
+<file path=ppt/notesSlides/notesSlide15.xml><?xml version="1.0" encoding="utf-8"?>
+<p:notes xmlns:a="http://schemas.openxmlformats.org/drawingml/2006/main" xmlns:r="http://schemas.openxmlformats.org/officeDocument/2006/relationships" xmlns:p="http://schemas.openxmlformats.org/presentationml/2006/main">
+  <p:cSld>
+    <p:spTree>
+      <p:nvGrpSpPr>
+        <p:cNvPr id="1" name=""/>
+        <p:cNvGrpSpPr/>
+        <p:nvPr/>
+      </p:nvGrpSpPr>
+      <p:grpSpPr>
+        <a:xfrm>
+          <a:off x="0" y="0"/>
+          <a:ext cx="0" cy="0"/>
+          <a:chOff x="0" y="0"/>
+          <a:chExt cx="0" cy="0"/>
+        </a:xfrm>
+      </p:grpSpPr>
+      <p:sp>
+        <p:nvSpPr>
+          <p:cNvPr id="2" name="Slide Image Placeholder 1"/>
+          <p:cNvSpPr>
+            <a:spLocks noGrp="1" noRot="1" noChangeAspect="1"/>
+          </p:cNvSpPr>
+          <p:nvPr>
+            <p:ph type="sldImg"/>
+          </p:nvPr>
+        </p:nvSpPr>
+        <p:spPr/>
+      </p:sp>
+      <p:sp>
+        <p:nvSpPr>
+          <p:cNvPr id="3" name="Notes Placeholder 2"/>
+          <p:cNvSpPr>
+            <a:spLocks noGrp="1"/>
+          </p:cNvSpPr>
+          <p:nvPr>
+            <p:ph type="body" idx="1"/>
+          </p:nvPr>
+        </p:nvSpPr>
+        <p:spPr/>
+        <p:txBody>
+          <a:bodyPr/>
+          <a:lstStyle/>
+          <a:p>
+            <a:pPr lvl="0" marL="0" indent="0">
+              <a:buNone/>
+            </a:pPr>
+            <a:r>
+              <a:rPr/>
+              <a:t>This</a:t>
+            </a:r>
+            <a:r>
+              <a:rPr/>
+              <a:t> </a:t>
+            </a:r>
+            <a:r>
+              <a:rPr/>
+              <a:t>is</a:t>
+            </a:r>
+            <a:r>
+              <a:rPr/>
+              <a:t> </a:t>
+            </a:r>
+            <a:r>
+              <a:rPr/>
+              <a:t>the</a:t>
+            </a:r>
+            <a:r>
+              <a:rPr/>
+              <a:t> </a:t>
+            </a:r>
+            <a:r>
+              <a:rPr/>
+              <a:t>second</a:t>
+            </a:r>
+            <a:r>
+              <a:rPr/>
+              <a:t> </a:t>
+            </a:r>
+            <a:r>
+              <a:rPr/>
+              <a:t>code</a:t>
+            </a:r>
+            <a:r>
+              <a:rPr/>
+              <a:t> </a:t>
+            </a:r>
+            <a:r>
+              <a:rPr/>
+              <a:t>chunk.</a:t>
+            </a:r>
+            <a:r>
+              <a:rPr/>
+              <a:t> </a:t>
+            </a:r>
+            <a:r>
+              <a:rPr/>
+              <a:t>It</a:t>
+            </a:r>
+            <a:r>
+              <a:rPr/>
+              <a:t> </a:t>
+            </a:r>
+            <a:r>
+              <a:rPr/>
+              <a:t>displays</a:t>
+            </a:r>
+            <a:r>
+              <a:rPr/>
+              <a:t> </a:t>
+            </a:r>
+            <a:r>
+              <a:rPr/>
+              <a:t>the</a:t>
+            </a:r>
+            <a:r>
+              <a:rPr/>
+              <a:t> </a:t>
+            </a:r>
+            <a:r>
+              <a:rPr/>
+              <a:t>title,</a:t>
+            </a:r>
+            <a:r>
+              <a:rPr/>
+              <a:t> </a:t>
+            </a:r>
+            <a:r>
+              <a:rPr/>
+              <a:t>author,</a:t>
+            </a:r>
+            <a:r>
+              <a:rPr/>
+              <a:t> </a:t>
+            </a:r>
+            <a:r>
+              <a:rPr/>
+              <a:t>and</a:t>
+            </a:r>
+            <a:r>
+              <a:rPr/>
+              <a:t> </a:t>
+            </a:r>
+            <a:r>
+              <a:rPr/>
+              <a:t>date</a:t>
+            </a:r>
+            <a:r>
+              <a:rPr/>
+              <a:t> </a:t>
+            </a:r>
+            <a:r>
+              <a:rPr/>
+              <a:t>from</a:t>
+            </a:r>
+            <a:r>
+              <a:rPr/>
+              <a:t> </a:t>
+            </a:r>
+            <a:r>
+              <a:rPr/>
+              <a:t>the</a:t>
+            </a:r>
+            <a:r>
+              <a:rPr/>
+              <a:t> </a:t>
+            </a:r>
+            <a:r>
+              <a:rPr/>
+              <a:t>code</a:t>
+            </a:r>
+            <a:r>
+              <a:rPr/>
+              <a:t> </a:t>
+            </a:r>
+            <a:r>
+              <a:rPr/>
+              <a:t>header.</a:t>
+            </a:r>
+          </a:p>
+        </p:txBody>
+      </p:sp>
+      <p:sp>
+        <p:nvSpPr>
+          <p:cNvPr id="4" name="Slide Number Placeholder 3"/>
+          <p:cNvSpPr>
+            <a:spLocks noGrp="1"/>
+          </p:cNvSpPr>
+          <p:nvPr>
+            <p:ph type="sldNum" sz="quarter" idx="10"/>
+          </p:nvPr>
+        </p:nvSpPr>
+        <p:spPr/>
+        <p:txBody>
+          <a:bodyPr/>
+          <a:lstStyle/>
+          <a:p>
+            <a:fld id="{18BDFEC3-8487-43E8-A154-7C12CBC1FFF2}" type="slidenum">
+              <a:rPr lang="en-US"/>
+              <a:t>21</a:t>
+            </a:fld>
+            <a:endParaRPr lang="en-US"/>
+          </a:p>
+        </p:txBody>
+      </p:sp>
+    </p:spTree>
+  </p:cSld>
+</p:notes>
+</file>
+
+<file path=ppt/notesSlides/notesSlide16.xml><?xml version="1.0" encoding="utf-8"?>
+<p:notes xmlns:a="http://schemas.openxmlformats.org/drawingml/2006/main" xmlns:r="http://schemas.openxmlformats.org/officeDocument/2006/relationships" xmlns:p="http://schemas.openxmlformats.org/presentationml/2006/main">
+  <p:cSld>
+    <p:spTree>
+      <p:nvGrpSpPr>
+        <p:cNvPr id="1" name=""/>
+        <p:cNvGrpSpPr/>
+        <p:nvPr/>
+      </p:nvGrpSpPr>
+      <p:grpSpPr>
+        <a:xfrm>
+          <a:off x="0" y="0"/>
+          <a:ext cx="0" cy="0"/>
+          <a:chOff x="0" y="0"/>
+          <a:chExt cx="0" cy="0"/>
+        </a:xfrm>
+      </p:grpSpPr>
+      <p:sp>
+        <p:nvSpPr>
+          <p:cNvPr id="2" name="Slide Image Placeholder 1"/>
+          <p:cNvSpPr>
+            <a:spLocks noGrp="1" noRot="1" noChangeAspect="1"/>
+          </p:cNvSpPr>
+          <p:nvPr>
+            <p:ph type="sldImg"/>
+          </p:nvPr>
+        </p:nvSpPr>
+        <p:spPr/>
+      </p:sp>
+      <p:sp>
+        <p:nvSpPr>
+          <p:cNvPr id="3" name="Notes Placeholder 2"/>
+          <p:cNvSpPr>
+            <a:spLocks noGrp="1"/>
+          </p:cNvSpPr>
+          <p:nvPr>
+            <p:ph type="body" idx="1"/>
+          </p:nvPr>
+        </p:nvSpPr>
+        <p:spPr/>
+        <p:txBody>
+          <a:bodyPr/>
+          <a:lstStyle/>
+          <a:p>
+            <a:pPr lvl="0" marL="0" indent="0">
+              <a:buNone/>
+            </a:pPr>
+            <a:r>
+              <a:rPr/>
+              <a:t>This</a:t>
+            </a:r>
+            <a:r>
+              <a:rPr/>
+              <a:t> </a:t>
+            </a:r>
+            <a:r>
+              <a:rPr/>
+              <a:t>is</a:t>
+            </a:r>
+            <a:r>
+              <a:rPr/>
+              <a:t> </a:t>
+            </a:r>
+            <a:r>
+              <a:rPr/>
+              <a:t>last</a:t>
+            </a:r>
+            <a:r>
+              <a:rPr/>
+              <a:t> </a:t>
+            </a:r>
+            <a:r>
+              <a:rPr/>
+              <a:t>set</a:t>
+            </a:r>
+            <a:r>
+              <a:rPr/>
+              <a:t> </a:t>
+            </a:r>
+            <a:r>
+              <a:rPr/>
+              <a:t>of</a:t>
+            </a:r>
+            <a:r>
+              <a:rPr/>
+              <a:t> </a:t>
+            </a:r>
+            <a:r>
+              <a:rPr/>
+              <a:t>free</a:t>
+            </a:r>
+            <a:r>
+              <a:rPr/>
+              <a:t> </a:t>
+            </a:r>
+            <a:r>
+              <a:rPr/>
+              <a:t>text.</a:t>
+            </a:r>
+          </a:p>
+        </p:txBody>
+      </p:sp>
+      <p:sp>
+        <p:nvSpPr>
+          <p:cNvPr id="4" name="Slide Number Placeholder 3"/>
+          <p:cNvSpPr>
+            <a:spLocks noGrp="1"/>
+          </p:cNvSpPr>
+          <p:nvPr>
+            <p:ph type="sldNum" sz="quarter" idx="10"/>
+          </p:nvPr>
+        </p:nvSpPr>
+        <p:spPr/>
+        <p:txBody>
+          <a:bodyPr/>
+          <a:lstStyle/>
+          <a:p>
+            <a:fld id="{18BDFEC3-8487-43E8-A154-7C12CBC1FFF2}" type="slidenum">
+              <a:rPr lang="en-US"/>
+              <a:t>22</a:t>
+            </a:fld>
+            <a:endParaRPr lang="en-US"/>
+          </a:p>
+        </p:txBody>
+      </p:sp>
+    </p:spTree>
+  </p:cSld>
+</p:notes>
+</file>
+
 <file path=ppt/notesSlides/notesSlide2.xml><?xml version="1.0" encoding="utf-8"?>
 <p:notes xmlns:a="http://schemas.openxmlformats.org/drawingml/2006/main" xmlns:r="http://schemas.openxmlformats.org/officeDocument/2006/relationships" xmlns:p="http://schemas.openxmlformats.org/presentationml/2006/main">
   <p:cSld>
@@ -5069,7 +6480,7 @@
             </a:pPr>
             <a:r>
               <a:rPr/>
-              <a:t>Here</a:t>
+              <a:t>This</a:t>
             </a:r>
             <a:r>
               <a:rPr/>
@@ -5085,6 +6496,206 @@
             </a:r>
             <a:r>
               <a:rPr/>
+              <a:t>a</a:t>
+            </a:r>
+            <a:r>
+              <a:rPr/>
+              <a:t> </a:t>
+            </a:r>
+            <a:r>
+              <a:rPr/>
+              <a:t>full</a:t>
+            </a:r>
+            <a:r>
+              <a:rPr/>
+              <a:t> </a:t>
+            </a:r>
+            <a:r>
+              <a:rPr/>
+              <a:t>listing</a:t>
+            </a:r>
+            <a:r>
+              <a:rPr/>
+              <a:t> </a:t>
+            </a:r>
+            <a:r>
+              <a:rPr/>
+              <a:t>of</a:t>
+            </a:r>
+            <a:r>
+              <a:rPr/>
+              <a:t> </a:t>
+            </a:r>
+            <a:r>
+              <a:rPr/>
+              <a:t>a</a:t>
+            </a:r>
+            <a:r>
+              <a:rPr/>
+              <a:t> </a:t>
+            </a:r>
+            <a:r>
+              <a:rPr/>
+              <a:t>small</a:t>
+            </a:r>
+            <a:r>
+              <a:rPr/>
+              <a:t> </a:t>
+            </a:r>
+            <a:r>
+              <a:rPr/>
+              <a:t>program</a:t>
+            </a:r>
+            <a:r>
+              <a:rPr/>
+              <a:t> </a:t>
+            </a:r>
+            <a:r>
+              <a:rPr/>
+              <a:t>written</a:t>
+            </a:r>
+            <a:r>
+              <a:rPr/>
+              <a:t> </a:t>
+            </a:r>
+            <a:r>
+              <a:rPr/>
+              <a:t>in</a:t>
+            </a:r>
+            <a:r>
+              <a:rPr/>
+              <a:t> </a:t>
+            </a:r>
+            <a:r>
+              <a:rPr/>
+              <a:t>Rmarkdown.</a:t>
+            </a:r>
+            <a:r>
+              <a:rPr/>
+              <a:t> </a:t>
+            </a:r>
+            <a:r>
+              <a:rPr/>
+              <a:t>The</a:t>
+            </a:r>
+            <a:r>
+              <a:rPr/>
+              <a:t> </a:t>
+            </a:r>
+            <a:r>
+              <a:rPr/>
+              <a:t>font</a:t>
+            </a:r>
+            <a:r>
+              <a:rPr/>
+              <a:t> </a:t>
+            </a:r>
+            <a:r>
+              <a:rPr/>
+              <a:t>is</a:t>
+            </a:r>
+            <a:r>
+              <a:rPr/>
+              <a:t> </a:t>
+            </a:r>
+            <a:r>
+              <a:rPr/>
+              <a:t>too</a:t>
+            </a:r>
+            <a:r>
+              <a:rPr/>
+              <a:t> </a:t>
+            </a:r>
+            <a:r>
+              <a:rPr/>
+              <a:t>small</a:t>
+            </a:r>
+            <a:r>
+              <a:rPr/>
+              <a:t> </a:t>
+            </a:r>
+            <a:r>
+              <a:rPr/>
+              <a:t>to</a:t>
+            </a:r>
+            <a:r>
+              <a:rPr/>
+              <a:t> </a:t>
+            </a:r>
+            <a:r>
+              <a:rPr/>
+              <a:t>read.</a:t>
+            </a:r>
+            <a:r>
+              <a:rPr/>
+              <a:t> </a:t>
+            </a:r>
+            <a:r>
+              <a:rPr/>
+              <a:t>Don’t</a:t>
+            </a:r>
+            <a:r>
+              <a:rPr/>
+              <a:t> </a:t>
+            </a:r>
+            <a:r>
+              <a:rPr/>
+              <a:t>worry,</a:t>
+            </a:r>
+            <a:r>
+              <a:rPr/>
+              <a:t> </a:t>
+            </a:r>
+            <a:r>
+              <a:rPr/>
+              <a:t>I</a:t>
+            </a:r>
+            <a:r>
+              <a:rPr/>
+              <a:t> </a:t>
+            </a:r>
+            <a:r>
+              <a:rPr/>
+              <a:t>just</a:t>
+            </a:r>
+            <a:r>
+              <a:rPr/>
+              <a:t> </a:t>
+            </a:r>
+            <a:r>
+              <a:rPr/>
+              <a:t>wanted</a:t>
+            </a:r>
+            <a:r>
+              <a:rPr/>
+              <a:t> </a:t>
+            </a:r>
+            <a:r>
+              <a:rPr/>
+              <a:t>you</a:t>
+            </a:r>
+            <a:r>
+              <a:rPr/>
+              <a:t> </a:t>
+            </a:r>
+            <a:r>
+              <a:rPr/>
+              <a:t>to</a:t>
+            </a:r>
+            <a:r>
+              <a:rPr/>
+              <a:t> </a:t>
+            </a:r>
+            <a:r>
+              <a:rPr/>
+              <a:t>see</a:t>
+            </a:r>
+            <a:r>
+              <a:rPr/>
+              <a:t> </a:t>
+            </a:r>
+            <a:r>
+              <a:rPr/>
               <a:t>the</a:t>
             </a:r>
             <a:r>
@@ -5093,47 +6704,119 @@
             </a:r>
             <a:r>
               <a:rPr/>
-              <a:t>typical</a:t>
-            </a:r>
-            <a:r>
-              <a:rPr/>
-              <a:t> </a:t>
-            </a:r>
-            <a:r>
-              <a:rPr/>
-              <a:t>header</a:t>
-            </a:r>
-            <a:r>
-              <a:rPr/>
-              <a:t> </a:t>
-            </a:r>
-            <a:r>
-              <a:rPr/>
-              <a:t>for</a:t>
-            </a:r>
-            <a:r>
-              <a:rPr/>
-              <a:t> </a:t>
-            </a:r>
-            <a:r>
-              <a:rPr/>
-              <a:t>an</a:t>
-            </a:r>
-            <a:r>
-              <a:rPr/>
-              <a:t> </a:t>
-            </a:r>
-            <a:r>
-              <a:rPr/>
-              <a:t>Rmarkdown</a:t>
-            </a:r>
-            <a:r>
-              <a:rPr/>
-              <a:t> </a:t>
-            </a:r>
-            <a:r>
-              <a:rPr/>
-              <a:t>program.</a:t>
+              <a:t>full</a:t>
+            </a:r>
+            <a:r>
+              <a:rPr/>
+              <a:t> </a:t>
+            </a:r>
+            <a:r>
+              <a:rPr/>
+              <a:t>picture.</a:t>
+            </a:r>
+            <a:r>
+              <a:rPr/>
+              <a:t> </a:t>
+            </a:r>
+            <a:r>
+              <a:rPr/>
+              <a:t>I’ll</a:t>
+            </a:r>
+            <a:r>
+              <a:rPr/>
+              <a:t> </a:t>
+            </a:r>
+            <a:r>
+              <a:rPr/>
+              <a:t>look</a:t>
+            </a:r>
+            <a:r>
+              <a:rPr/>
+              <a:t> </a:t>
+            </a:r>
+            <a:r>
+              <a:rPr/>
+              <a:t>at</a:t>
+            </a:r>
+            <a:r>
+              <a:rPr/>
+              <a:t> </a:t>
+            </a:r>
+            <a:r>
+              <a:rPr/>
+              <a:t>small</a:t>
+            </a:r>
+            <a:r>
+              <a:rPr/>
+              <a:t> </a:t>
+            </a:r>
+            <a:r>
+              <a:rPr/>
+              <a:t>pieces</a:t>
+            </a:r>
+            <a:r>
+              <a:rPr/>
+              <a:t> </a:t>
+            </a:r>
+            <a:r>
+              <a:rPr/>
+              <a:t>of</a:t>
+            </a:r>
+            <a:r>
+              <a:rPr/>
+              <a:t> </a:t>
+            </a:r>
+            <a:r>
+              <a:rPr/>
+              <a:t>this</a:t>
+            </a:r>
+            <a:r>
+              <a:rPr/>
+              <a:t> </a:t>
+            </a:r>
+            <a:r>
+              <a:rPr/>
+              <a:t>program</a:t>
+            </a:r>
+            <a:r>
+              <a:rPr/>
+              <a:t> </a:t>
+            </a:r>
+            <a:r>
+              <a:rPr/>
+              <a:t>using</a:t>
+            </a:r>
+            <a:r>
+              <a:rPr/>
+              <a:t> </a:t>
+            </a:r>
+            <a:r>
+              <a:rPr/>
+              <a:t>a</a:t>
+            </a:r>
+            <a:r>
+              <a:rPr/>
+              <a:t> </a:t>
+            </a:r>
+            <a:r>
+              <a:rPr/>
+              <a:t>readable</a:t>
+            </a:r>
+            <a:r>
+              <a:rPr/>
+              <a:t> </a:t>
+            </a:r>
+            <a:r>
+              <a:rPr/>
+              <a:t>font</a:t>
+            </a:r>
+            <a:r>
+              <a:rPr/>
+              <a:t> </a:t>
+            </a:r>
+            <a:r>
+              <a:rPr/>
+              <a:t>size.</a:t>
             </a:r>
           </a:p>
         </p:txBody>
@@ -5215,95 +6898,15 @@
             </a:pPr>
             <a:r>
               <a:rPr/>
-              <a:t>When</a:t>
-            </a:r>
-            <a:r>
-              <a:rPr/>
-              <a:t> </a:t>
-            </a:r>
-            <a:r>
-              <a:rPr/>
-              <a:t>I</a:t>
-            </a:r>
-            <a:r>
-              <a:rPr/>
-              <a:t> </a:t>
-            </a:r>
-            <a:r>
-              <a:rPr/>
-              <a:t>care</a:t>
-            </a:r>
-            <a:r>
-              <a:rPr/>
-              <a:t> </a:t>
-            </a:r>
-            <a:r>
-              <a:rPr/>
-              <a:t>enough</a:t>
-            </a:r>
-            <a:r>
-              <a:rPr/>
-              <a:t> </a:t>
-            </a:r>
-            <a:r>
-              <a:rPr/>
-              <a:t>to</a:t>
-            </a:r>
-            <a:r>
-              <a:rPr/>
-              <a:t> </a:t>
-            </a:r>
-            <a:r>
-              <a:rPr/>
-              <a:t>include</a:t>
-            </a:r>
-            <a:r>
-              <a:rPr/>
-              <a:t> </a:t>
-            </a:r>
-            <a:r>
-              <a:rPr/>
-              <a:t>documentation</a:t>
-            </a:r>
-            <a:r>
-              <a:rPr/>
-              <a:t> </a:t>
-            </a:r>
-            <a:r>
-              <a:rPr/>
-              <a:t>in</a:t>
-            </a:r>
-            <a:r>
-              <a:rPr/>
-              <a:t> </a:t>
-            </a:r>
-            <a:r>
-              <a:rPr/>
-              <a:t>my</a:t>
-            </a:r>
-            <a:r>
-              <a:rPr/>
-              <a:t> </a:t>
-            </a:r>
-            <a:r>
-              <a:rPr/>
-              <a:t>program,</a:t>
-            </a:r>
-            <a:r>
-              <a:rPr/>
-              <a:t> </a:t>
-            </a:r>
-            <a:r>
-              <a:rPr/>
-              <a:t>I</a:t>
-            </a:r>
-            <a:r>
-              <a:rPr/>
-              <a:t> </a:t>
-            </a:r>
-            <a:r>
-              <a:rPr/>
-              <a:t>use</a:t>
+              <a:t>Here</a:t>
+            </a:r>
+            <a:r>
+              <a:rPr/>
+              <a:t> </a:t>
+            </a:r>
+            <a:r>
+              <a:rPr/>
+              <a:t>is</a:t>
             </a:r>
             <a:r>
               <a:rPr/>
@@ -5319,175 +6922,47 @@
             </a:r>
             <a:r>
               <a:rPr/>
-              <a:t>two</a:t>
-            </a:r>
-            <a:r>
-              <a:rPr/>
-              <a:t> </a:t>
-            </a:r>
-            <a:r>
-              <a:rPr/>
-              <a:t>commands</a:t>
-            </a:r>
-            <a:r>
-              <a:rPr/>
-              <a:t> </a:t>
-            </a:r>
-            <a:r>
-              <a:rPr/>
-              <a:t>listed</a:t>
-            </a:r>
-            <a:r>
-              <a:rPr/>
-              <a:t> </a:t>
-            </a:r>
-            <a:r>
-              <a:rPr/>
-              <a:t>above</a:t>
-            </a:r>
-            <a:r>
-              <a:rPr/>
-              <a:t> </a:t>
-            </a:r>
-            <a:r>
-              <a:rPr/>
-              <a:t>to</a:t>
-            </a:r>
-            <a:r>
-              <a:rPr/>
-              <a:t> </a:t>
-            </a:r>
-            <a:r>
-              <a:rPr/>
-              <a:t>remind</a:t>
-            </a:r>
-            <a:r>
-              <a:rPr/>
-              <a:t> </a:t>
-            </a:r>
-            <a:r>
-              <a:rPr/>
-              <a:t>myself</a:t>
-            </a:r>
-            <a:r>
-              <a:rPr/>
-              <a:t> </a:t>
-            </a:r>
-            <a:r>
-              <a:rPr/>
-              <a:t>what</a:t>
-            </a:r>
-            <a:r>
-              <a:rPr/>
-              <a:t> </a:t>
-            </a:r>
-            <a:r>
-              <a:rPr/>
-              <a:t>version</a:t>
-            </a:r>
-            <a:r>
-              <a:rPr/>
-              <a:t> </a:t>
-            </a:r>
-            <a:r>
-              <a:rPr/>
-              <a:t>of</a:t>
-            </a:r>
-            <a:r>
-              <a:rPr/>
-              <a:t> </a:t>
-            </a:r>
-            <a:r>
-              <a:rPr/>
-              <a:t>R</a:t>
-            </a:r>
-            <a:r>
-              <a:rPr/>
-              <a:t> </a:t>
-            </a:r>
-            <a:r>
-              <a:rPr/>
-              <a:t>I</a:t>
-            </a:r>
-            <a:r>
-              <a:rPr/>
-              <a:t> </a:t>
-            </a:r>
-            <a:r>
-              <a:rPr/>
-              <a:t>am</a:t>
-            </a:r>
-            <a:r>
-              <a:rPr/>
-              <a:t> </a:t>
-            </a:r>
-            <a:r>
-              <a:rPr/>
-              <a:t>using</a:t>
-            </a:r>
-            <a:r>
-              <a:rPr/>
-              <a:t> </a:t>
-            </a:r>
-            <a:r>
-              <a:rPr/>
-              <a:t>and</a:t>
-            </a:r>
-            <a:r>
-              <a:rPr/>
-              <a:t> </a:t>
-            </a:r>
-            <a:r>
-              <a:rPr/>
-              <a:t>the</a:t>
-            </a:r>
-            <a:r>
-              <a:rPr/>
-              <a:t> </a:t>
-            </a:r>
-            <a:r>
-              <a:rPr/>
-              <a:t>date</a:t>
-            </a:r>
-            <a:r>
-              <a:rPr/>
-              <a:t> </a:t>
-            </a:r>
-            <a:r>
-              <a:rPr/>
-              <a:t>when</a:t>
-            </a:r>
-            <a:r>
-              <a:rPr/>
-              <a:t> </a:t>
-            </a:r>
-            <a:r>
-              <a:rPr/>
-              <a:t>the</a:t>
-            </a:r>
-            <a:r>
-              <a:rPr/>
-              <a:t> </a:t>
-            </a:r>
-            <a:r>
-              <a:rPr/>
-              <a:t>program</a:t>
-            </a:r>
-            <a:r>
-              <a:rPr/>
-              <a:t> </a:t>
-            </a:r>
-            <a:r>
-              <a:rPr/>
-              <a:t>was</a:t>
-            </a:r>
-            <a:r>
-              <a:rPr/>
-              <a:t> </a:t>
-            </a:r>
-            <a:r>
-              <a:rPr/>
-              <a:t>run.</a:t>
+              <a:t>typical</a:t>
+            </a:r>
+            <a:r>
+              <a:rPr/>
+              <a:t> </a:t>
+            </a:r>
+            <a:r>
+              <a:rPr/>
+              <a:t>header</a:t>
+            </a:r>
+            <a:r>
+              <a:rPr/>
+              <a:t> </a:t>
+            </a:r>
+            <a:r>
+              <a:rPr/>
+              <a:t>for</a:t>
+            </a:r>
+            <a:r>
+              <a:rPr/>
+              <a:t> </a:t>
+            </a:r>
+            <a:r>
+              <a:rPr/>
+              <a:t>an</a:t>
+            </a:r>
+            <a:r>
+              <a:rPr/>
+              <a:t> </a:t>
+            </a:r>
+            <a:r>
+              <a:rPr/>
+              <a:t>Rmarkdown</a:t>
+            </a:r>
+            <a:r>
+              <a:rPr/>
+              <a:t> </a:t>
+            </a:r>
+            <a:r>
+              <a:rPr/>
+              <a:t>program.</a:t>
             </a:r>
           </a:p>
         </p:txBody>
@@ -5509,7 +6984,451 @@
           <a:p>
             <a:fld id="{18BDFEC3-8487-43E8-A154-7C12CBC1FFF2}" type="slidenum">
               <a:rPr lang="en-US"/>
+              <a:t>9</a:t>
+            </a:fld>
+            <a:endParaRPr lang="en-US"/>
+          </a:p>
+        </p:txBody>
+      </p:sp>
+    </p:spTree>
+  </p:cSld>
+</p:notes>
+</file>
+
+<file path=ppt/notesSlides/notesSlide8.xml><?xml version="1.0" encoding="utf-8"?>
+<p:notes xmlns:a="http://schemas.openxmlformats.org/drawingml/2006/main" xmlns:r="http://schemas.openxmlformats.org/officeDocument/2006/relationships" xmlns:p="http://schemas.openxmlformats.org/presentationml/2006/main">
+  <p:cSld>
+    <p:spTree>
+      <p:nvGrpSpPr>
+        <p:cNvPr id="1" name=""/>
+        <p:cNvGrpSpPr/>
+        <p:nvPr/>
+      </p:nvGrpSpPr>
+      <p:grpSpPr>
+        <a:xfrm>
+          <a:off x="0" y="0"/>
+          <a:ext cx="0" cy="0"/>
+          <a:chOff x="0" y="0"/>
+          <a:chExt cx="0" cy="0"/>
+        </a:xfrm>
+      </p:grpSpPr>
+      <p:sp>
+        <p:nvSpPr>
+          <p:cNvPr id="2" name="Slide Image Placeholder 1"/>
+          <p:cNvSpPr>
+            <a:spLocks noGrp="1" noRot="1" noChangeAspect="1"/>
+          </p:cNvSpPr>
+          <p:nvPr>
+            <p:ph type="sldImg"/>
+          </p:nvPr>
+        </p:nvSpPr>
+        <p:spPr/>
+      </p:sp>
+      <p:sp>
+        <p:nvSpPr>
+          <p:cNvPr id="3" name="Notes Placeholder 2"/>
+          <p:cNvSpPr>
+            <a:spLocks noGrp="1"/>
+          </p:cNvSpPr>
+          <p:nvPr>
+            <p:ph type="body" idx="1"/>
+          </p:nvPr>
+        </p:nvSpPr>
+        <p:spPr/>
+        <p:txBody>
+          <a:bodyPr/>
+          <a:lstStyle/>
+          <a:p>
+            <a:pPr lvl="0" marL="0" indent="0">
+              <a:buNone/>
+            </a:pPr>
+            <a:r>
+              <a:rPr/>
+              <a:t>After</a:t>
+            </a:r>
+            <a:r>
+              <a:rPr/>
+              <a:t> </a:t>
+            </a:r>
+            <a:r>
+              <a:rPr/>
+              <a:t>the</a:t>
+            </a:r>
+            <a:r>
+              <a:rPr/>
+              <a:t> </a:t>
+            </a:r>
+            <a:r>
+              <a:rPr/>
+              <a:t>second</a:t>
+            </a:r>
+            <a:r>
+              <a:rPr/>
+              <a:t> </a:t>
+            </a:r>
+            <a:r>
+              <a:rPr/>
+              <a:t>chunk</a:t>
+            </a:r>
+            <a:r>
+              <a:rPr/>
+              <a:t> </a:t>
+            </a:r>
+            <a:r>
+              <a:rPr/>
+              <a:t>of</a:t>
+            </a:r>
+            <a:r>
+              <a:rPr/>
+              <a:t> </a:t>
+            </a:r>
+            <a:r>
+              <a:rPr/>
+              <a:t>R</a:t>
+            </a:r>
+            <a:r>
+              <a:rPr/>
+              <a:t> </a:t>
+            </a:r>
+            <a:r>
+              <a:rPr/>
+              <a:t>code,</a:t>
+            </a:r>
+            <a:r>
+              <a:rPr/>
+              <a:t> </a:t>
+            </a:r>
+            <a:r>
+              <a:rPr/>
+              <a:t>I</a:t>
+            </a:r>
+            <a:r>
+              <a:rPr/>
+              <a:t> </a:t>
+            </a:r>
+            <a:r>
+              <a:rPr/>
+              <a:t>add</a:t>
+            </a:r>
+            <a:r>
+              <a:rPr/>
+              <a:t> </a:t>
+            </a:r>
+            <a:r>
+              <a:rPr/>
+              <a:t>a</a:t>
+            </a:r>
+            <a:r>
+              <a:rPr/>
+              <a:t> </a:t>
+            </a:r>
+            <a:r>
+              <a:rPr/>
+              <a:t>couple</a:t>
+            </a:r>
+            <a:r>
+              <a:rPr/>
+              <a:t> </a:t>
+            </a:r>
+            <a:r>
+              <a:rPr/>
+              <a:t>of</a:t>
+            </a:r>
+            <a:r>
+              <a:rPr/>
+              <a:t> </a:t>
+            </a:r>
+            <a:r>
+              <a:rPr/>
+              <a:t>extra</a:t>
+            </a:r>
+            <a:r>
+              <a:rPr/>
+              <a:t> </a:t>
+            </a:r>
+            <a:r>
+              <a:rPr/>
+              <a:t>comments.</a:t>
+            </a:r>
+          </a:p>
+        </p:txBody>
+      </p:sp>
+      <p:sp>
+        <p:nvSpPr>
+          <p:cNvPr id="4" name="Slide Number Placeholder 3"/>
+          <p:cNvSpPr>
+            <a:spLocks noGrp="1"/>
+          </p:cNvSpPr>
+          <p:nvPr>
+            <p:ph type="sldNum" sz="quarter" idx="10"/>
+          </p:nvPr>
+        </p:nvSpPr>
+        <p:spPr/>
+        <p:txBody>
+          <a:bodyPr/>
+          <a:lstStyle/>
+          <a:p>
+            <a:fld id="{18BDFEC3-8487-43E8-A154-7C12CBC1FFF2}" type="slidenum">
+              <a:rPr lang="en-US"/>
               <a:t>14</a:t>
+            </a:fld>
+            <a:endParaRPr lang="en-US"/>
+          </a:p>
+        </p:txBody>
+      </p:sp>
+    </p:spTree>
+  </p:cSld>
+</p:notes>
+</file>
+
+<file path=ppt/notesSlides/notesSlide9.xml><?xml version="1.0" encoding="utf-8"?>
+<p:notes xmlns:a="http://schemas.openxmlformats.org/drawingml/2006/main" xmlns:r="http://schemas.openxmlformats.org/officeDocument/2006/relationships" xmlns:p="http://schemas.openxmlformats.org/presentationml/2006/main">
+  <p:cSld>
+    <p:spTree>
+      <p:nvGrpSpPr>
+        <p:cNvPr id="1" name=""/>
+        <p:cNvGrpSpPr/>
+        <p:nvPr/>
+      </p:nvGrpSpPr>
+      <p:grpSpPr>
+        <a:xfrm>
+          <a:off x="0" y="0"/>
+          <a:ext cx="0" cy="0"/>
+          <a:chOff x="0" y="0"/>
+          <a:chExt cx="0" cy="0"/>
+        </a:xfrm>
+      </p:grpSpPr>
+      <p:sp>
+        <p:nvSpPr>
+          <p:cNvPr id="2" name="Slide Image Placeholder 1"/>
+          <p:cNvSpPr>
+            <a:spLocks noGrp="1" noRot="1" noChangeAspect="1"/>
+          </p:cNvSpPr>
+          <p:nvPr>
+            <p:ph type="sldImg"/>
+          </p:nvPr>
+        </p:nvSpPr>
+        <p:spPr/>
+      </p:sp>
+      <p:sp>
+        <p:nvSpPr>
+          <p:cNvPr id="3" name="Notes Placeholder 2"/>
+          <p:cNvSpPr>
+            <a:spLocks noGrp="1"/>
+          </p:cNvSpPr>
+          <p:nvPr>
+            <p:ph type="body" idx="1"/>
+          </p:nvPr>
+        </p:nvSpPr>
+        <p:spPr/>
+        <p:txBody>
+          <a:bodyPr/>
+          <a:lstStyle/>
+          <a:p>
+            <a:pPr lvl="0" marL="0" indent="0">
+              <a:buNone/>
+            </a:pPr>
+            <a:r>
+              <a:rPr/>
+              <a:t>Here</a:t>
+            </a:r>
+            <a:r>
+              <a:rPr/>
+              <a:t> </a:t>
+            </a:r>
+            <a:r>
+              <a:rPr/>
+              <a:t>is</a:t>
+            </a:r>
+            <a:r>
+              <a:rPr/>
+              <a:t> </a:t>
+            </a:r>
+            <a:r>
+              <a:rPr/>
+              <a:t>the</a:t>
+            </a:r>
+            <a:r>
+              <a:rPr/>
+              <a:t> </a:t>
+            </a:r>
+            <a:r>
+              <a:rPr/>
+              <a:t>full</a:t>
+            </a:r>
+            <a:r>
+              <a:rPr/>
+              <a:t> </a:t>
+            </a:r>
+            <a:r>
+              <a:rPr/>
+              <a:t>program</a:t>
+            </a:r>
+            <a:r>
+              <a:rPr/>
+              <a:t> </a:t>
+            </a:r>
+            <a:r>
+              <a:rPr/>
+              <a:t>again.</a:t>
+            </a:r>
+            <a:r>
+              <a:rPr/>
+              <a:t> </a:t>
+            </a:r>
+            <a:r>
+              <a:rPr/>
+              <a:t>You</a:t>
+            </a:r>
+            <a:r>
+              <a:rPr/>
+              <a:t> </a:t>
+            </a:r>
+            <a:r>
+              <a:rPr/>
+              <a:t>can</a:t>
+            </a:r>
+            <a:r>
+              <a:rPr/>
+              <a:t> </a:t>
+            </a:r>
+            <a:r>
+              <a:rPr/>
+              <a:t>see</a:t>
+            </a:r>
+            <a:r>
+              <a:rPr/>
+              <a:t> </a:t>
+            </a:r>
+            <a:r>
+              <a:rPr/>
+              <a:t>that</a:t>
+            </a:r>
+            <a:r>
+              <a:rPr/>
+              <a:t> </a:t>
+            </a:r>
+            <a:r>
+              <a:rPr/>
+              <a:t>it</a:t>
+            </a:r>
+            <a:r>
+              <a:rPr/>
+              <a:t> </a:t>
+            </a:r>
+            <a:r>
+              <a:rPr/>
+              <a:t>starts</a:t>
+            </a:r>
+            <a:r>
+              <a:rPr/>
+              <a:t> </a:t>
+            </a:r>
+            <a:r>
+              <a:rPr/>
+              <a:t>with</a:t>
+            </a:r>
+            <a:r>
+              <a:rPr/>
+              <a:t> </a:t>
+            </a:r>
+            <a:r>
+              <a:rPr/>
+              <a:t>a</a:t>
+            </a:r>
+            <a:r>
+              <a:rPr/>
+              <a:t> </a:t>
+            </a:r>
+            <a:r>
+              <a:rPr/>
+              <a:t>header,</a:t>
+            </a:r>
+            <a:r>
+              <a:rPr/>
+              <a:t> </a:t>
+            </a:r>
+            <a:r>
+              <a:rPr/>
+              <a:t>and</a:t>
+            </a:r>
+            <a:r>
+              <a:rPr/>
+              <a:t> </a:t>
+            </a:r>
+            <a:r>
+              <a:rPr/>
+              <a:t>alternates</a:t>
+            </a:r>
+            <a:r>
+              <a:rPr/>
+              <a:t> </a:t>
+            </a:r>
+            <a:r>
+              <a:rPr/>
+              <a:t>between</a:t>
+            </a:r>
+            <a:r>
+              <a:rPr/>
+              <a:t> </a:t>
+            </a:r>
+            <a:r>
+              <a:rPr/>
+              <a:t>free</a:t>
+            </a:r>
+            <a:r>
+              <a:rPr/>
+              <a:t> </a:t>
+            </a:r>
+            <a:r>
+              <a:rPr/>
+              <a:t>text</a:t>
+            </a:r>
+            <a:r>
+              <a:rPr/>
+              <a:t> </a:t>
+            </a:r>
+            <a:r>
+              <a:rPr/>
+              <a:t>and</a:t>
+            </a:r>
+            <a:r>
+              <a:rPr/>
+              <a:t> </a:t>
+            </a:r>
+            <a:r>
+              <a:rPr/>
+              <a:t>R</a:t>
+            </a:r>
+            <a:r>
+              <a:rPr/>
+              <a:t> </a:t>
+            </a:r>
+            <a:r>
+              <a:rPr/>
+              <a:t>code.</a:t>
+            </a:r>
+          </a:p>
+        </p:txBody>
+      </p:sp>
+      <p:sp>
+        <p:nvSpPr>
+          <p:cNvPr id="4" name="Slide Number Placeholder 3"/>
+          <p:cNvSpPr>
+            <a:spLocks noGrp="1"/>
+          </p:cNvSpPr>
+          <p:nvPr>
+            <p:ph type="sldNum" sz="quarter" idx="10"/>
+          </p:nvPr>
+        </p:nvSpPr>
+        <p:spPr/>
+        <p:txBody>
+          <a:bodyPr/>
+          <a:lstStyle/>
+          <a:p>
+            <a:fld id="{18BDFEC3-8487-43E8-A154-7C12CBC1FFF2}" type="slidenum">
+              <a:rPr lang="en-US"/>
+              <a:t>15</a:t>
             </a:fld>
             <a:endParaRPr lang="en-US"/>
           </a:p>
@@ -5701,7 +7620,7 @@
           <a:p>
             <a:fld id="{241EB5C9-1307-BA42-ABA2-0BC069CD8E7F}" type="datetimeFigureOut">
               <a:rPr lang="en-US" smtClean="0"/>
-              <a:t>2/17/2018</a:t>
+              <a:t>4/5/2019</a:t>
             </a:fld>
             <a:endParaRPr lang="en-US"/>
           </a:p>
@@ -5871,7 +7790,7 @@
           <a:p>
             <a:fld id="{241EB5C9-1307-BA42-ABA2-0BC069CD8E7F}" type="datetimeFigureOut">
               <a:rPr lang="en-US" smtClean="0"/>
-              <a:t>2/17/2018</a:t>
+              <a:t>4/5/2019</a:t>
             </a:fld>
             <a:endParaRPr lang="en-US"/>
           </a:p>
@@ -6051,7 +7970,7 @@
           <a:p>
             <a:fld id="{241EB5C9-1307-BA42-ABA2-0BC069CD8E7F}" type="datetimeFigureOut">
               <a:rPr lang="en-US" smtClean="0"/>
-              <a:t>2/17/2018</a:t>
+              <a:t>4/5/2019</a:t>
             </a:fld>
             <a:endParaRPr lang="en-US"/>
           </a:p>
@@ -6221,7 +8140,7 @@
           <a:p>
             <a:fld id="{241EB5C9-1307-BA42-ABA2-0BC069CD8E7F}" type="datetimeFigureOut">
               <a:rPr lang="en-US" smtClean="0"/>
-              <a:t>2/17/2018</a:t>
+              <a:t>4/5/2019</a:t>
             </a:fld>
             <a:endParaRPr lang="en-US"/>
           </a:p>
@@ -6467,7 +8386,7 @@
           <a:p>
             <a:fld id="{241EB5C9-1307-BA42-ABA2-0BC069CD8E7F}" type="datetimeFigureOut">
               <a:rPr lang="en-US" smtClean="0"/>
-              <a:t>2/17/2018</a:t>
+              <a:t>4/5/2019</a:t>
             </a:fld>
             <a:endParaRPr lang="en-US"/>
           </a:p>
@@ -6755,7 +8674,7 @@
           <a:p>
             <a:fld id="{241EB5C9-1307-BA42-ABA2-0BC069CD8E7F}" type="datetimeFigureOut">
               <a:rPr lang="en-US" smtClean="0"/>
-              <a:t>2/17/2018</a:t>
+              <a:t>4/5/2019</a:t>
             </a:fld>
             <a:endParaRPr lang="en-US"/>
           </a:p>
@@ -7177,7 +9096,7 @@
           <a:p>
             <a:fld id="{241EB5C9-1307-BA42-ABA2-0BC069CD8E7F}" type="datetimeFigureOut">
               <a:rPr lang="en-US" smtClean="0"/>
-              <a:t>2/17/2018</a:t>
+              <a:t>4/5/2019</a:t>
             </a:fld>
             <a:endParaRPr lang="en-US"/>
           </a:p>
@@ -7295,7 +9214,7 @@
           <a:p>
             <a:fld id="{241EB5C9-1307-BA42-ABA2-0BC069CD8E7F}" type="datetimeFigureOut">
               <a:rPr lang="en-US" smtClean="0"/>
-              <a:t>2/17/2018</a:t>
+              <a:t>4/5/2019</a:t>
             </a:fld>
             <a:endParaRPr lang="en-US"/>
           </a:p>
@@ -7390,7 +9309,7 @@
           <a:p>
             <a:fld id="{241EB5C9-1307-BA42-ABA2-0BC069CD8E7F}" type="datetimeFigureOut">
               <a:rPr lang="en-US" smtClean="0"/>
-              <a:t>2/17/2018</a:t>
+              <a:t>4/5/2019</a:t>
             </a:fld>
             <a:endParaRPr lang="en-US"/>
           </a:p>
@@ -7667,7 +9586,7 @@
           <a:p>
             <a:fld id="{241EB5C9-1307-BA42-ABA2-0BC069CD8E7F}" type="datetimeFigureOut">
               <a:rPr lang="en-US" smtClean="0"/>
-              <a:t>2/17/2018</a:t>
+              <a:t>4/5/2019</a:t>
             </a:fld>
             <a:endParaRPr lang="en-US"/>
           </a:p>
@@ -7920,7 +9839,7 @@
           <a:p>
             <a:fld id="{241EB5C9-1307-BA42-ABA2-0BC069CD8E7F}" type="datetimeFigureOut">
               <a:rPr lang="en-US" smtClean="0"/>
-              <a:t>2/17/2018</a:t>
+              <a:t>4/5/2019</a:t>
             </a:fld>
             <a:endParaRPr lang="en-US"/>
           </a:p>
@@ -8133,7 +10052,7 @@
           <a:p>
             <a:fld id="{241EB5C9-1307-BA42-ABA2-0BC069CD8E7F}" type="datetimeFigureOut">
               <a:rPr lang="en-US" smtClean="0"/>
-              <a:t>2/17/2018</a:t>
+              <a:t>4/5/2019</a:t>
             </a:fld>
             <a:endParaRPr lang="en-US"/>
           </a:p>
@@ -8717,15 +10636,31 @@
             </a:r>
             <a:r>
               <a:rPr/>
-              <a:t>program</a:t>
-            </a:r>
-            <a:r>
-              <a:rPr/>
-              <a:t> </a:t>
-            </a:r>
-            <a:r>
-              <a:rPr/>
-              <a:t>(3/5)</a:t>
+              <a:t>program,</a:t>
+            </a:r>
+            <a:r>
+              <a:rPr/>
+              <a:t> </a:t>
+            </a:r>
+            <a:r>
+              <a:rPr/>
+              <a:t>free</a:t>
+            </a:r>
+            <a:r>
+              <a:rPr/>
+              <a:t> </a:t>
+            </a:r>
+            <a:r>
+              <a:rPr/>
+              <a:t>text</a:t>
+            </a:r>
+            <a:r>
+              <a:rPr/>
+              <a:t> </a:t>
+            </a:r>
+            <a:r>
+              <a:rPr/>
+              <a:t>comments</a:t>
             </a:r>
           </a:p>
         </p:txBody>
@@ -8759,10 +10694,8 @@
               <a:rPr sz="1800">
                 <a:latin typeface="Courier"/>
               </a:rPr>
-              <a:t>```{r version-and-current-date}
-R.version.string
-Sys.Date()
-```</a:t>
+              <a:t>
+This is a small program written in Rmarkdown to help you get started if you've never written an R program before.</a:t>
             </a:r>
           </a:p>
         </p:txBody>
@@ -8841,15 +10774,23 @@
             </a:r>
             <a:r>
               <a:rPr/>
-              <a:t>program</a:t>
-            </a:r>
-            <a:r>
-              <a:rPr/>
-              <a:t> </a:t>
-            </a:r>
-            <a:r>
-              <a:rPr/>
-              <a:t>(4/5)</a:t>
+              <a:t>program,</a:t>
+            </a:r>
+            <a:r>
+              <a:rPr/>
+              <a:t> </a:t>
+            </a:r>
+            <a:r>
+              <a:rPr/>
+              <a:t>code</a:t>
+            </a:r>
+            <a:r>
+              <a:rPr/>
+              <a:t> </a:t>
+            </a:r>
+            <a:r>
+              <a:rPr/>
+              <a:t>chunk</a:t>
             </a:r>
           </a:p>
         </p:txBody>
@@ -8883,8 +10824,10 @@
               <a:rPr sz="1800">
                 <a:latin typeface="Courier"/>
               </a:rPr>
-              <a:t>
-This program will read in data from an RData file after removing anything left over from previous programs. It will then list all the objects that you just read in, and provide information about one of those objects.</a:t>
+              <a:t>```{r version-and-current-date}
+R.version.string
+Sys.Date()
+```</a:t>
             </a:r>
           </a:p>
         </p:txBody>
@@ -8963,15 +10906,55 @@
             </a:r>
             <a:r>
               <a:rPr/>
-              <a:t>program</a:t>
-            </a:r>
-            <a:r>
-              <a:rPr/>
-              <a:t> </a:t>
-            </a:r>
-            <a:r>
-              <a:rPr/>
-              <a:t>(4/5)</a:t>
+              <a:t>program,</a:t>
+            </a:r>
+            <a:r>
+              <a:rPr/>
+              <a:t> </a:t>
+            </a:r>
+            <a:r>
+              <a:rPr/>
+              <a:t>second</a:t>
+            </a:r>
+            <a:r>
+              <a:rPr/>
+              <a:t> </a:t>
+            </a:r>
+            <a:r>
+              <a:rPr/>
+              <a:t>set</a:t>
+            </a:r>
+            <a:r>
+              <a:rPr/>
+              <a:t> </a:t>
+            </a:r>
+            <a:r>
+              <a:rPr/>
+              <a:t>of</a:t>
+            </a:r>
+            <a:r>
+              <a:rPr/>
+              <a:t> </a:t>
+            </a:r>
+            <a:r>
+              <a:rPr/>
+              <a:t>free</a:t>
+            </a:r>
+            <a:r>
+              <a:rPr/>
+              <a:t> </a:t>
+            </a:r>
+            <a:r>
+              <a:rPr/>
+              <a:t>text</a:t>
+            </a:r>
+            <a:r>
+              <a:rPr/>
+              <a:t> </a:t>
+            </a:r>
+            <a:r>
+              <a:rPr/>
+              <a:t>comments</a:t>
             </a:r>
           </a:p>
         </p:txBody>
@@ -9005,12 +10988,8 @@
               <a:rPr sz="1800">
                 <a:latin typeface="Courier"/>
               </a:rPr>
-              <a:t>```{r read-rdata-file}
-rm(list=ls()) # Use this with caution!
-load("../dat/two-small-dataframes.RData")
-ls()
-str(fd)
-```</a:t>
+              <a:t>
+This program will read in data from an RData file after removing anything left over from previous programs. It will then list all the objects that you just read in, and provide information about one of those objects.</a:t>
             </a:r>
           </a:p>
         </p:txBody>
@@ -9057,15 +11036,63 @@
             </a:pPr>
             <a:r>
               <a:rPr/>
-              <a:t>More</a:t>
-            </a:r>
-            <a:r>
-              <a:rPr/>
-              <a:t> </a:t>
-            </a:r>
-            <a:r>
-              <a:rPr/>
-              <a:t>documentation</a:t>
+              <a:t>Anatomy</a:t>
+            </a:r>
+            <a:r>
+              <a:rPr/>
+              <a:t> </a:t>
+            </a:r>
+            <a:r>
+              <a:rPr/>
+              <a:t>of</a:t>
+            </a:r>
+            <a:r>
+              <a:rPr/>
+              <a:t> </a:t>
+            </a:r>
+            <a:r>
+              <a:rPr/>
+              <a:t>a</a:t>
+            </a:r>
+            <a:r>
+              <a:rPr/>
+              <a:t> </a:t>
+            </a:r>
+            <a:r>
+              <a:rPr/>
+              <a:t>small</a:t>
+            </a:r>
+            <a:r>
+              <a:rPr/>
+              <a:t> </a:t>
+            </a:r>
+            <a:r>
+              <a:rPr/>
+              <a:t>program,</a:t>
+            </a:r>
+            <a:r>
+              <a:rPr/>
+              <a:t> </a:t>
+            </a:r>
+            <a:r>
+              <a:rPr/>
+              <a:t>second</a:t>
+            </a:r>
+            <a:r>
+              <a:rPr/>
+              <a:t> </a:t>
+            </a:r>
+            <a:r>
+              <a:rPr/>
+              <a:t>code</a:t>
+            </a:r>
+            <a:r>
+              <a:rPr/>
+              <a:t> </a:t>
+            </a:r>
+            <a:r>
+              <a:rPr/>
+              <a:t>chunk</a:t>
             </a:r>
           </a:p>
         </p:txBody>
@@ -9085,31 +11112,26 @@
           <a:bodyPr/>
           <a:lstStyle/>
           <a:p>
-            <a:pPr lvl="0" marL="0" indent="0">
+            <a:pPr lvl="1"/>
+            <a:r>
+              <a:rPr/>
+              <a:t>Rmarkdown code</a:t>
+            </a:r>
+          </a:p>
+          <a:p>
+            <a:pPr lvl="0" marL="1270000" indent="0">
               <a:buNone/>
             </a:pPr>
             <a:r>
-              <a:rPr/>
-              <a:t>You are viewing a Powerpoint presentation created using R Markdown. The author (me!) and the creation date are listed on the title slide. You can find this program on </a:t>
-            </a:r>
-            <a:r>
-              <a:rPr>
-                <a:hlinkClick r:id="rId2"/>
+              <a:rPr sz="1800">
+                <a:latin typeface="Courier"/>
               </a:rPr>
-              <a:t>my github site</a:t>
-            </a:r>
-            <a:r>
-              <a:rPr/>
-              <a:t> and it is free for you (or anyone) to use or modify as you like with no restrictions. If you use this on your own web page or in a publication, a brief acknowledgement is appreciated, but it is not required.</a:t>
-            </a:r>
-          </a:p>
-          <a:p>
-            <a:pPr lvl="0" marL="0" indent="0">
-              <a:buNone/>
-            </a:pPr>
-            <a:r>
-              <a:rPr/>
-              <a:t>This program is part of a series of R programs for the Introduction to R class. This program shows you how to read a simple text file.</a:t>
+              <a:t>```{r read-rdata-file}
+rm(list=ls()) # Use this with caution!
+load("../dat/two-small-dataframes.RData")
+ls()
+str(fd)
+```</a:t>
             </a:r>
           </a:p>
         </p:txBody>
@@ -9156,15 +11178,87 @@
             </a:pPr>
             <a:r>
               <a:rPr/>
-              <a:t>Additional</a:t>
-            </a:r>
-            <a:r>
-              <a:rPr/>
-              <a:t> </a:t>
-            </a:r>
-            <a:r>
-              <a:rPr/>
-              <a:t>documentation</a:t>
+              <a:t>Anatomy</a:t>
+            </a:r>
+            <a:r>
+              <a:rPr/>
+              <a:t> </a:t>
+            </a:r>
+            <a:r>
+              <a:rPr/>
+              <a:t>of</a:t>
+            </a:r>
+            <a:r>
+              <a:rPr/>
+              <a:t> </a:t>
+            </a:r>
+            <a:r>
+              <a:rPr/>
+              <a:t>a</a:t>
+            </a:r>
+            <a:r>
+              <a:rPr/>
+              <a:t> </a:t>
+            </a:r>
+            <a:r>
+              <a:rPr/>
+              <a:t>small</a:t>
+            </a:r>
+            <a:r>
+              <a:rPr/>
+              <a:t> </a:t>
+            </a:r>
+            <a:r>
+              <a:rPr/>
+              <a:t>program,</a:t>
+            </a:r>
+            <a:r>
+              <a:rPr/>
+              <a:t> </a:t>
+            </a:r>
+            <a:r>
+              <a:rPr/>
+              <a:t>third</a:t>
+            </a:r>
+            <a:r>
+              <a:rPr/>
+              <a:t> </a:t>
+            </a:r>
+            <a:r>
+              <a:rPr/>
+              <a:t>set</a:t>
+            </a:r>
+            <a:r>
+              <a:rPr/>
+              <a:t> </a:t>
+            </a:r>
+            <a:r>
+              <a:rPr/>
+              <a:t>of</a:t>
+            </a:r>
+            <a:r>
+              <a:rPr/>
+              <a:t> </a:t>
+            </a:r>
+            <a:r>
+              <a:rPr/>
+              <a:t>free</a:t>
+            </a:r>
+            <a:r>
+              <a:rPr/>
+              <a:t> </a:t>
+            </a:r>
+            <a:r>
+              <a:rPr/>
+              <a:t>text</a:t>
+            </a:r>
+            <a:r>
+              <a:rPr/>
+              <a:t> </a:t>
+            </a:r>
+            <a:r>
+              <a:rPr/>
+              <a:t>comments</a:t>
             </a:r>
           </a:p>
         </p:txBody>
@@ -9184,6 +11278,13 @@
           <a:bodyPr/>
           <a:lstStyle/>
           <a:p>
+            <a:pPr lvl="1"/>
+            <a:r>
+              <a:rPr/>
+              <a:t>Rmarkdown code</a:t>
+            </a:r>
+          </a:p>
+          <a:p>
             <a:pPr lvl="0" marL="1270000" indent="0">
               <a:buNone/>
             </a:pPr>
@@ -9191,49 +11292,8 @@
               <a:rPr sz="1800">
                 <a:latin typeface="Courier"/>
               </a:rPr>
-              <a:t>R.version.string</a:t>
-            </a:r>
-          </a:p>
-          <a:p>
-            <a:pPr lvl="0" marL="1270000" indent="0">
-              <a:buNone/>
-            </a:pPr>
-            <a:r>
-              <a:rPr sz="1800">
-                <a:latin typeface="Courier"/>
-              </a:rPr>
-              <a:t>## [1] "R version 3.6.1 (2019-07-05)"</a:t>
-            </a:r>
-          </a:p>
-          <a:p>
-            <a:pPr lvl="0" marL="1270000" indent="0">
-              <a:buNone/>
-            </a:pPr>
-            <a:r>
-              <a:rPr sz="1800" b="1">
-                <a:solidFill>
-                  <a:srgbClr val="007020"/>
-                </a:solidFill>
-                <a:latin typeface="Courier"/>
-              </a:rPr>
-              <a:t>Sys.Date</a:t>
-            </a:r>
-            <a:r>
-              <a:rPr sz="1800">
-                <a:latin typeface="Courier"/>
-              </a:rPr>
-              <a:t>()</a:t>
-            </a:r>
-          </a:p>
-          <a:p>
-            <a:pPr lvl="0" marL="1270000" indent="0">
-              <a:buNone/>
-            </a:pPr>
-            <a:r>
-              <a:rPr sz="1800">
-                <a:latin typeface="Courier"/>
-              </a:rPr>
-              <a:t>## [1] "2020-01-28"</a:t>
+              <a:t>
+This is a very simple program, but iIf you can get this program to run, you will probably have smooth sailing for the rest of the class.</a:t>
             </a:r>
           </a:p>
         </p:txBody>
@@ -9280,196 +11340,147 @@
             </a:pPr>
             <a:r>
               <a:rPr/>
-              <a:t>A</a:t>
-            </a:r>
-            <a:r>
-              <a:rPr/>
-              <a:t> </a:t>
-            </a:r>
-            <a:r>
-              <a:rPr/>
-              <a:t>brief</a:t>
-            </a:r>
-            <a:r>
-              <a:rPr/>
-              <a:t> </a:t>
-            </a:r>
-            <a:r>
-              <a:rPr/>
-              <a:t>comment</a:t>
-            </a:r>
-            <a:r>
-              <a:rPr/>
-              <a:t> </a:t>
-            </a:r>
-            <a:r>
-              <a:rPr/>
-              <a:t>about</a:t>
-            </a:r>
-            <a:r>
-              <a:rPr/>
-              <a:t> </a:t>
-            </a:r>
-            <a:r>
-              <a:rPr/>
-              <a:t>R</a:t>
-            </a:r>
-            <a:r>
-              <a:rPr/>
-              <a:t> </a:t>
-            </a:r>
-            <a:r>
-              <a:rPr/>
-              <a:t>Markdown.</a:t>
+              <a:t>Anatomy</a:t>
+            </a:r>
+            <a:r>
+              <a:rPr/>
+              <a:t> </a:t>
+            </a:r>
+            <a:r>
+              <a:rPr/>
+              <a:t>of</a:t>
+            </a:r>
+            <a:r>
+              <a:rPr/>
+              <a:t> </a:t>
+            </a:r>
+            <a:r>
+              <a:rPr/>
+              <a:t>a</a:t>
+            </a:r>
+            <a:r>
+              <a:rPr/>
+              <a:t> </a:t>
+            </a:r>
+            <a:r>
+              <a:rPr/>
+              <a:t>small</a:t>
+            </a:r>
+            <a:r>
+              <a:rPr/>
+              <a:t> </a:t>
+            </a:r>
+            <a:r>
+              <a:rPr/>
+              <a:t>program,</a:t>
+            </a:r>
+            <a:r>
+              <a:rPr/>
+              <a:t> </a:t>
+            </a:r>
+            <a:r>
+              <a:rPr/>
+              <a:t>review</a:t>
             </a:r>
           </a:p>
         </p:txBody>
       </p:sp>
-      <p:sp>
-        <p:nvSpPr>
-          <p:cNvPr id="3" name="Content Placeholder 2"/>
-          <p:cNvSpPr>
-            <a:spLocks noGrp="1"/>
-          </p:cNvSpPr>
-          <p:nvPr>
-            <p:ph idx="1"/>
-          </p:nvPr>
-        </p:nvSpPr>
-        <p:spPr/>
+      <p:pic>
+        <p:nvPicPr>
+          <p:cNvPr descr="../images/small_program_annotated.png" id="0" name="Picture 1"/>
+          <p:cNvPicPr>
+            <a:picLocks noGrp="1" noChangeAspect="1"/>
+          </p:cNvPicPr>
+          <p:nvPr/>
+        </p:nvPicPr>
+        <p:blipFill>
+          <a:blip r:embed="rId3"/>
+          <a:stretch>
+            <a:fillRect/>
+          </a:stretch>
+        </p:blipFill>
+        <p:spPr bwMode="auto">
+          <a:xfrm>
+            <a:off x="1549400" y="1600200"/>
+            <a:ext cx="6032500" cy="4013200"/>
+          </a:xfrm>
+          <a:prstGeom prst="rect">
+            <a:avLst/>
+          </a:prstGeom>
+          <a:noFill/>
+          <a:ln w="9525">
+            <a:noFill/>
+            <a:headEnd/>
+            <a:tailEnd/>
+          </a:ln>
+        </p:spPr>
+      </p:pic>
+      <p:sp>
+        <p:nvSpPr>
+          <p:cNvPr id="1" name="TextBox 3"/>
+          <p:cNvSpPr txBox="1"/>
+          <p:nvPr/>
+        </p:nvSpPr>
+        <p:spPr>
+          <a:xfrm>
+            <a:off x="457200" y="5613400"/>
+            <a:ext cx="8229600" cy="508000"/>
+          </a:xfrm>
+          <a:prstGeom prst="rect">
+            <a:avLst/>
+          </a:prstGeom>
+          <a:noFill/>
+        </p:spPr>
         <p:txBody>
           <a:bodyPr/>
           <a:lstStyle/>
           <a:p>
-            <a:pPr lvl="0" marL="0" indent="0">
+            <a:pPr lvl="0" marL="0" indent="0" algn="ctr">
               <a:buNone/>
             </a:pPr>
             <a:r>
               <a:rPr/>
-              <a:t>This file is written in R Markdown, a mixture of R commands and commentary. Lines surrounding the R commands start with three backquotes. The line at the top will also have curlybraces a lower case “r” and brief descriptive names of the code segment (e.g., read). The backquotes and curly braces allow me to produce a nicely formatted html file that intersperses the R commands, the R output, and the commentary.</a:t>
-            </a:r>
-          </a:p>
-          <a:p>
-            <a:pPr lvl="0" marL="0" indent="0">
-              <a:buNone/>
-            </a:pPr>
-            <a:r>
-              <a:rPr/>
-              <a:t>You can safely ignore the backquotes and curly braces. Use cut-and-paste from a text editor like notepad to run the appropriate commands without having to retype them. Please cut-and-paste the thre lines below into the R console.</a:t>
-            </a:r>
-          </a:p>
-          <a:p>
-            <a:pPr lvl="0" marL="1270000" indent="0">
-              <a:buNone/>
-            </a:pPr>
-            <a:r>
-              <a:rPr sz="1800">
-                <a:latin typeface="Courier"/>
-              </a:rPr>
-              <a:t>x &lt;-</a:t>
-            </a:r>
-            <a:r>
-              <a:rPr sz="1800">
-                <a:solidFill>
-                  <a:srgbClr val="4070A0"/>
-                </a:solidFill>
-                <a:latin typeface="Courier"/>
-              </a:rPr>
-              <a:t> </a:t>
-            </a:r>
-            <a:r>
-              <a:rPr sz="1800">
-                <a:solidFill>
-                  <a:srgbClr val="40A070"/>
-                </a:solidFill>
-                <a:latin typeface="Courier"/>
-              </a:rPr>
-              <a:t>1</a:t>
-            </a:r>
-            <a:r>
-              <a:rPr sz="1800">
-                <a:solidFill>
-                  <a:srgbClr val="666666"/>
-                </a:solidFill>
-                <a:latin typeface="Courier"/>
-              </a:rPr>
-              <a:t>:</a:t>
-            </a:r>
-            <a:r>
-              <a:rPr sz="1800">
-                <a:solidFill>
-                  <a:srgbClr val="40A070"/>
-                </a:solidFill>
-                <a:latin typeface="Courier"/>
-              </a:rPr>
-              <a:t>9</a:t>
-            </a:r>
-            <a:br/>
-            <a:r>
-              <a:rPr sz="1800">
-                <a:latin typeface="Courier"/>
-              </a:rPr>
-              <a:t>x</a:t>
-            </a:r>
-          </a:p>
-          <a:p>
-            <a:pPr lvl="0" marL="1270000" indent="0">
-              <a:buNone/>
-            </a:pPr>
-            <a:r>
-              <a:rPr sz="1800">
-                <a:latin typeface="Courier"/>
-              </a:rPr>
-              <a:t>## [1] 1 2 3 4 5 6 7 8 9</a:t>
-            </a:r>
-          </a:p>
-          <a:p>
-            <a:pPr lvl="0" marL="1270000" indent="0">
-              <a:buNone/>
-            </a:pPr>
-            <a:r>
-              <a:rPr sz="1800" b="1">
-                <a:solidFill>
-                  <a:srgbClr val="007020"/>
-                </a:solidFill>
-                <a:latin typeface="Courier"/>
-              </a:rPr>
-              <a:t>summary</a:t>
-            </a:r>
-            <a:r>
-              <a:rPr sz="1800">
-                <a:latin typeface="Courier"/>
-              </a:rPr>
-              <a:t>(x)</a:t>
-            </a:r>
-          </a:p>
-          <a:p>
-            <a:pPr lvl="0" marL="1270000" indent="0">
-              <a:buNone/>
-            </a:pPr>
-            <a:r>
-              <a:rPr sz="1800">
-                <a:latin typeface="Courier"/>
-              </a:rPr>
-              <a:t>##    Min. 1st Qu.  Median    Mean 3rd Qu.    Max. 
-##       1       3       5       5       7       9</a:t>
-            </a:r>
-          </a:p>
-          <a:p>
-            <a:pPr lvl="0" marL="0" indent="0">
-              <a:buNone/>
-            </a:pPr>
-            <a:r>
-              <a:rPr/>
-              <a:t>You are not responsible for R Markdown in this class, but I wanted to show you one of the features of R Markdown. When you create objects in R, you can print those objects, as shown above, or you can incorporate those objects in your commentary. Here’s an example.</a:t>
-            </a:r>
-          </a:p>
-          <a:p>
-            <a:pPr lvl="0" marL="0" indent="0">
-              <a:buNone/>
-            </a:pPr>
-            <a:r>
-              <a:rPr/>
-              <a:t>Our data set has values 1, 2, 3, 4, 5, 6, 7, 8, 9. The mean is 5 and the standard deviation is 2.7386128</a:t>
+              <a:t>Full</a:t>
+            </a:r>
+            <a:r>
+              <a:rPr/>
+              <a:t> </a:t>
+            </a:r>
+            <a:r>
+              <a:rPr/>
+              <a:t>listing</a:t>
+            </a:r>
+            <a:r>
+              <a:rPr/>
+              <a:t> </a:t>
+            </a:r>
+            <a:r>
+              <a:rPr/>
+              <a:t>of</a:t>
+            </a:r>
+            <a:r>
+              <a:rPr/>
+              <a:t> </a:t>
+            </a:r>
+            <a:r>
+              <a:rPr/>
+              <a:t>small_program.Rmd</a:t>
+            </a:r>
+            <a:r>
+              <a:rPr/>
+              <a:t> </a:t>
+            </a:r>
+            <a:r>
+              <a:rPr/>
+              <a:t>with</a:t>
+            </a:r>
+            <a:r>
+              <a:rPr/>
+              <a:t> </a:t>
+            </a:r>
+            <a:r>
+              <a:rPr/>
+              <a:t>annotations</a:t>
             </a:r>
           </a:p>
         </p:txBody>
@@ -9516,125 +11527,107 @@
             </a:pPr>
             <a:r>
               <a:rPr/>
-              <a:t>Cleaning</a:t>
-            </a:r>
-            <a:r>
-              <a:rPr/>
-              <a:t> </a:t>
-            </a:r>
-            <a:r>
-              <a:rPr/>
-              <a:t>house</a:t>
+              <a:t>Program</a:t>
+            </a:r>
+            <a:r>
+              <a:rPr/>
+              <a:t> </a:t>
+            </a:r>
+            <a:r>
+              <a:rPr/>
+              <a:t>output,</a:t>
+            </a:r>
+            <a:r>
+              <a:rPr/>
+              <a:t> </a:t>
+            </a:r>
+            <a:r>
+              <a:rPr/>
+              <a:t>overview</a:t>
             </a:r>
           </a:p>
         </p:txBody>
       </p:sp>
-      <p:sp>
-        <p:nvSpPr>
-          <p:cNvPr id="3" name="Content Placeholder 2"/>
-          <p:cNvSpPr>
-            <a:spLocks noGrp="1"/>
-          </p:cNvSpPr>
-          <p:nvPr>
-            <p:ph idx="1"/>
-          </p:nvPr>
-        </p:nvSpPr>
-        <p:spPr/>
+      <p:pic>
+        <p:nvPicPr>
+          <p:cNvPr descr="../images/output-overview.png" id="0" name="Picture 1"/>
+          <p:cNvPicPr>
+            <a:picLocks noGrp="1" noChangeAspect="1"/>
+          </p:cNvPicPr>
+          <p:nvPr/>
+        </p:nvPicPr>
+        <p:blipFill>
+          <a:blip r:embed="rId3"/>
+          <a:stretch>
+            <a:fillRect/>
+          </a:stretch>
+        </p:blipFill>
+        <p:spPr bwMode="auto">
+          <a:xfrm>
+            <a:off x="3429000" y="1600200"/>
+            <a:ext cx="2286000" cy="4013200"/>
+          </a:xfrm>
+          <a:prstGeom prst="rect">
+            <a:avLst/>
+          </a:prstGeom>
+          <a:noFill/>
+          <a:ln w="9525">
+            <a:noFill/>
+            <a:headEnd/>
+            <a:tailEnd/>
+          </a:ln>
+        </p:spPr>
+      </p:pic>
+      <p:sp>
+        <p:nvSpPr>
+          <p:cNvPr id="1" name="TextBox 3"/>
+          <p:cNvSpPr txBox="1"/>
+          <p:nvPr/>
+        </p:nvSpPr>
+        <p:spPr>
+          <a:xfrm>
+            <a:off x="457200" y="5613400"/>
+            <a:ext cx="8229600" cy="508000"/>
+          </a:xfrm>
+          <a:prstGeom prst="rect">
+            <a:avLst/>
+          </a:prstGeom>
+          <a:noFill/>
+        </p:spPr>
         <p:txBody>
           <a:bodyPr/>
           <a:lstStyle/>
           <a:p>
-            <a:pPr lvl="0" marL="0" indent="0">
+            <a:pPr lvl="0" marL="0" indent="0" algn="ctr">
               <a:buNone/>
             </a:pPr>
             <a:r>
               <a:rPr/>
-              <a:t>When I start up a new program, I usually take the time to remove any objects that might be left over from a previous program. It isn’t really necessary, but sometimes it can help avoid some problems. You can take a look at what objects are currently available in memory with the ls function and you can remove some or all of these objects with the rm function.</a:t>
-            </a:r>
-          </a:p>
-          <a:p>
-            <a:pPr lvl="0" marL="1270000" indent="0">
-              <a:buNone/>
-            </a:pPr>
-            <a:r>
-              <a:rPr sz="1800" b="1">
-                <a:solidFill>
-                  <a:srgbClr val="007020"/>
-                </a:solidFill>
-                <a:latin typeface="Courier"/>
-              </a:rPr>
-              <a:t>ls</a:t>
-            </a:r>
-            <a:r>
-              <a:rPr sz="1800">
-                <a:latin typeface="Courier"/>
-              </a:rPr>
-              <a:t>()</a:t>
-            </a:r>
-          </a:p>
-          <a:p>
-            <a:pPr lvl="0" marL="1270000" indent="0">
-              <a:buNone/>
-            </a:pPr>
-            <a:r>
-              <a:rPr sz="1800">
-                <a:latin typeface="Courier"/>
-              </a:rPr>
-              <a:t>## [1] "backtick_lines" "beg_line"       "end_line"       "header_lines"  
-## [5] "tx"             "x"</a:t>
-            </a:r>
-          </a:p>
-          <a:p>
-            <a:pPr lvl="0" marL="1270000" indent="0">
-              <a:buNone/>
-            </a:pPr>
-            <a:r>
-              <a:rPr sz="1800" b="1">
-                <a:solidFill>
-                  <a:srgbClr val="007020"/>
-                </a:solidFill>
-                <a:latin typeface="Courier"/>
-              </a:rPr>
-              <a:t>rm</a:t>
-            </a:r>
-            <a:r>
-              <a:rPr sz="1800">
-                <a:latin typeface="Courier"/>
-              </a:rPr>
-              <a:t>(</a:t>
-            </a:r>
-            <a:r>
-              <a:rPr sz="1800">
-                <a:solidFill>
-                  <a:srgbClr val="902000"/>
-                </a:solidFill>
-                <a:latin typeface="Courier"/>
-              </a:rPr>
-              <a:t>list=</a:t>
-            </a:r>
-            <a:r>
-              <a:rPr sz="1800" b="1">
-                <a:solidFill>
-                  <a:srgbClr val="007020"/>
-                </a:solidFill>
-                <a:latin typeface="Courier"/>
-              </a:rPr>
-              <a:t>ls</a:t>
-            </a:r>
-            <a:r>
-              <a:rPr sz="1800">
-                <a:latin typeface="Courier"/>
-              </a:rPr>
-              <a:t>()) </a:t>
-            </a:r>
-            <a:r>
-              <a:rPr sz="1800" i="1">
-                <a:solidFill>
-                  <a:srgbClr val="60A0B0"/>
-                </a:solidFill>
-                <a:latin typeface="Courier"/>
-              </a:rPr>
-              <a:t># This list=ls() option removes everything</a:t>
+              <a:t>Screenshot</a:t>
+            </a:r>
+            <a:r>
+              <a:rPr/>
+              <a:t> </a:t>
+            </a:r>
+            <a:r>
+              <a:rPr/>
+              <a:t>of</a:t>
+            </a:r>
+            <a:r>
+              <a:rPr/>
+              <a:t> </a:t>
+            </a:r>
+            <a:r>
+              <a:rPr/>
+              <a:t>entire</a:t>
+            </a:r>
+            <a:r>
+              <a:rPr/>
+              <a:t> </a:t>
+            </a:r>
+            <a:r>
+              <a:rPr/>
+              <a:t>output</a:t>
             </a:r>
           </a:p>
         </p:txBody>
@@ -9681,27 +11674,141 @@
             </a:pPr>
             <a:r>
               <a:rPr/>
-              <a:t>Some</a:t>
-            </a:r>
-            <a:r>
-              <a:rPr/>
-              <a:t> </a:t>
-            </a:r>
-            <a:r>
-              <a:rPr/>
-              <a:t>definitions</a:t>
+              <a:t>Program</a:t>
+            </a:r>
+            <a:r>
+              <a:rPr/>
+              <a:t> </a:t>
+            </a:r>
+            <a:r>
+              <a:rPr/>
+              <a:t>output,</a:t>
+            </a:r>
+            <a:r>
+              <a:rPr/>
+              <a:t> </a:t>
+            </a:r>
+            <a:r>
+              <a:rPr/>
+              <a:t>header</a:t>
             </a:r>
           </a:p>
         </p:txBody>
       </p:sp>
-      <p:sp>
-        <p:nvSpPr>
-          <p:cNvPr id="3" name="Content Placeholder 2"/>
+      <p:pic>
+        <p:nvPicPr>
+          <p:cNvPr descr="../images/output-header.png" id="0" name="Picture 1"/>
+          <p:cNvPicPr>
+            <a:picLocks noGrp="1" noChangeAspect="1"/>
+          </p:cNvPicPr>
+          <p:nvPr/>
+        </p:nvPicPr>
+        <p:blipFill>
+          <a:blip r:embed="rId3"/>
+          <a:stretch>
+            <a:fillRect/>
+          </a:stretch>
+        </p:blipFill>
+        <p:spPr bwMode="auto">
+          <a:xfrm>
+            <a:off x="457200" y="2895600"/>
+            <a:ext cx="8229600" cy="1409700"/>
+          </a:xfrm>
+          <a:prstGeom prst="rect">
+            <a:avLst/>
+          </a:prstGeom>
+          <a:noFill/>
+          <a:ln w="9525">
+            <a:noFill/>
+            <a:headEnd/>
+            <a:tailEnd/>
+          </a:ln>
+        </p:spPr>
+      </p:pic>
+      <p:sp>
+        <p:nvSpPr>
+          <p:cNvPr id="1" name="TextBox 3"/>
+          <p:cNvSpPr txBox="1"/>
+          <p:nvPr/>
+        </p:nvSpPr>
+        <p:spPr>
+          <a:xfrm>
+            <a:off x="457200" y="5613400"/>
+            <a:ext cx="8229600" cy="508000"/>
+          </a:xfrm>
+          <a:prstGeom prst="rect">
+            <a:avLst/>
+          </a:prstGeom>
+          <a:noFill/>
+        </p:spPr>
+        <p:txBody>
+          <a:bodyPr/>
+          <a:lstStyle/>
+          <a:p>
+            <a:pPr lvl="0" marL="0" indent="0" algn="ctr">
+              <a:buNone/>
+            </a:pPr>
+            <a:r>
+              <a:rPr/>
+              <a:t>Screenshot</a:t>
+            </a:r>
+            <a:r>
+              <a:rPr/>
+              <a:t> </a:t>
+            </a:r>
+            <a:r>
+              <a:rPr/>
+              <a:t>of</a:t>
+            </a:r>
+            <a:r>
+              <a:rPr/>
+              <a:t> </a:t>
+            </a:r>
+            <a:r>
+              <a:rPr/>
+              <a:t>output</a:t>
+            </a:r>
+            <a:r>
+              <a:rPr/>
+              <a:t> </a:t>
+            </a:r>
+            <a:r>
+              <a:rPr/>
+              <a:t>header</a:t>
+            </a:r>
+          </a:p>
+        </p:txBody>
+      </p:sp>
+    </p:spTree>
+  </p:cSld>
+</p:sld>
+</file>
+
+<file path=ppt/slides/slide18.xml><?xml version="1.0" encoding="utf-8"?>
+<p:sld xmlns:a="http://schemas.openxmlformats.org/drawingml/2006/main" xmlns:r="http://schemas.openxmlformats.org/officeDocument/2006/relationships" xmlns:p="http://schemas.openxmlformats.org/presentationml/2006/main">
+  <p:cSld>
+    <p:spTree>
+      <p:nvGrpSpPr>
+        <p:cNvPr id="1" name=""/>
+        <p:cNvGrpSpPr/>
+        <p:nvPr/>
+      </p:nvGrpSpPr>
+      <p:grpSpPr>
+        <a:xfrm>
+          <a:off x="0" y="0"/>
+          <a:ext cx="0" cy="0"/>
+          <a:chOff x="0" y="0"/>
+          <a:chExt cx="0" cy="0"/>
+        </a:xfrm>
+      </p:grpSpPr>
+      <p:sp>
+        <p:nvSpPr>
+          <p:cNvPr id="2" name="Title 1"/>
           <p:cNvSpPr>
             <a:spLocks noGrp="1"/>
           </p:cNvSpPr>
           <p:nvPr>
-            <p:ph idx="1"/>
+            <p:ph type="title"/>
           </p:nvPr>
         </p:nvSpPr>
         <p:spPr/>
@@ -9714,931 +11821,286 @@
             </a:pPr>
             <a:r>
               <a:rPr/>
-              <a:t>A </a:t>
-            </a:r>
-            <a:r>
-              <a:rPr b="1"/>
-              <a:t>categorical variable</a:t>
-            </a:r>
-            <a:r>
-              <a:rPr/>
-              <a:t> is a variable that can only take on a small number of values. Each value is usually associated with a particular category.</a:t>
-            </a:r>
-          </a:p>
+              <a:t>Program</a:t>
+            </a:r>
+            <a:r>
+              <a:rPr/>
+              <a:t> </a:t>
+            </a:r>
+            <a:r>
+              <a:rPr/>
+              <a:t>output,</a:t>
+            </a:r>
+            <a:r>
+              <a:rPr/>
+              <a:t> </a:t>
+            </a:r>
+            <a:r>
+              <a:rPr/>
+              <a:t>free</a:t>
+            </a:r>
+            <a:r>
+              <a:rPr/>
+              <a:t> </a:t>
+            </a:r>
+            <a:r>
+              <a:rPr/>
+              <a:t>text</a:t>
+            </a:r>
+          </a:p>
+        </p:txBody>
+      </p:sp>
+      <p:pic>
+        <p:nvPicPr>
+          <p:cNvPr descr="../images/output-free-text-1.png" id="0" name="Picture 1"/>
+          <p:cNvPicPr>
+            <a:picLocks noGrp="1" noChangeAspect="1"/>
+          </p:cNvPicPr>
+          <p:nvPr/>
+        </p:nvPicPr>
+        <p:blipFill>
+          <a:blip r:embed="rId3"/>
+          <a:stretch>
+            <a:fillRect/>
+          </a:stretch>
+        </p:blipFill>
+        <p:spPr bwMode="auto">
+          <a:xfrm>
+            <a:off x="457200" y="3263900"/>
+            <a:ext cx="8229600" cy="685800"/>
+          </a:xfrm>
+          <a:prstGeom prst="rect">
+            <a:avLst/>
+          </a:prstGeom>
+          <a:noFill/>
+          <a:ln w="9525">
+            <a:noFill/>
+            <a:headEnd/>
+            <a:tailEnd/>
+          </a:ln>
+        </p:spPr>
+      </p:pic>
+      <p:sp>
+        <p:nvSpPr>
+          <p:cNvPr id="1" name="TextBox 3"/>
+          <p:cNvSpPr txBox="1"/>
+          <p:nvPr/>
+        </p:nvSpPr>
+        <p:spPr>
+          <a:xfrm>
+            <a:off x="457200" y="5613400"/>
+            <a:ext cx="8229600" cy="508000"/>
+          </a:xfrm>
+          <a:prstGeom prst="rect">
+            <a:avLst/>
+          </a:prstGeom>
+          <a:noFill/>
+        </p:spPr>
+        <p:txBody>
+          <a:bodyPr/>
+          <a:lstStyle/>
+          <a:p>
+            <a:pPr lvl="0" marL="0" indent="0" algn="ctr">
+              <a:buNone/>
+            </a:pPr>
+            <a:r>
+              <a:rPr/>
+              <a:t>Screenshot</a:t>
+            </a:r>
+            <a:r>
+              <a:rPr/>
+              <a:t> </a:t>
+            </a:r>
+            <a:r>
+              <a:rPr/>
+              <a:t>of</a:t>
+            </a:r>
+            <a:r>
+              <a:rPr/>
+              <a:t> </a:t>
+            </a:r>
+            <a:r>
+              <a:rPr/>
+              <a:t>output</a:t>
+            </a:r>
+            <a:r>
+              <a:rPr/>
+              <a:t> </a:t>
+            </a:r>
+            <a:r>
+              <a:rPr/>
+              <a:t>free</a:t>
+            </a:r>
+            <a:r>
+              <a:rPr/>
+              <a:t> </a:t>
+            </a:r>
+            <a:r>
+              <a:rPr/>
+              <a:t>text</a:t>
+            </a:r>
+          </a:p>
+        </p:txBody>
+      </p:sp>
+    </p:spTree>
+  </p:cSld>
+</p:sld>
+</file>
+
+<file path=ppt/slides/slide19.xml><?xml version="1.0" encoding="utf-8"?>
+<p:sld xmlns:a="http://schemas.openxmlformats.org/drawingml/2006/main" xmlns:r="http://schemas.openxmlformats.org/officeDocument/2006/relationships" xmlns:p="http://schemas.openxmlformats.org/presentationml/2006/main">
+  <p:cSld>
+    <p:spTree>
+      <p:nvGrpSpPr>
+        <p:cNvPr id="1" name=""/>
+        <p:cNvGrpSpPr/>
+        <p:nvPr/>
+      </p:nvGrpSpPr>
+      <p:grpSpPr>
+        <a:xfrm>
+          <a:off x="0" y="0"/>
+          <a:ext cx="0" cy="0"/>
+          <a:chOff x="0" y="0"/>
+          <a:chExt cx="0" cy="0"/>
+        </a:xfrm>
+      </p:grpSpPr>
+      <p:sp>
+        <p:nvSpPr>
+          <p:cNvPr id="2" name="Title 1"/>
+          <p:cNvSpPr>
+            <a:spLocks noGrp="1"/>
+          </p:cNvSpPr>
+          <p:nvPr>
+            <p:ph type="title"/>
+          </p:nvPr>
+        </p:nvSpPr>
+        <p:spPr/>
+        <p:txBody>
+          <a:bodyPr/>
+          <a:lstStyle/>
           <a:p>
             <a:pPr lvl="0" marL="0" indent="0">
               <a:buNone/>
             </a:pPr>
             <a:r>
               <a:rPr/>
-              <a:t>Examples of categorical variables are</a:t>
-            </a:r>
-          </a:p>
-          <a:p>
-            <a:pPr lvl="1"/>
-            <a:r>
-              <a:rPr/>
-              <a:t>sex (Male or Female),</a:t>
-            </a:r>
-          </a:p>
-          <a:p>
-            <a:pPr lvl="1"/>
-            <a:r>
-              <a:rPr/>
-              <a:t>race/ethnicity (Caucasian, African American, Hispanic, etc.),</a:t>
-            </a:r>
-          </a:p>
-          <a:p>
-            <a:pPr lvl="1"/>
-            <a:r>
-              <a:rPr/>
-              <a:t>cancer stage (I, II, III, or IV),</a:t>
-            </a:r>
-          </a:p>
-          <a:p>
-            <a:pPr lvl="1"/>
-            <a:r>
-              <a:rPr/>
-              <a:t>birth delivery type (Vaginal, C-section).</a:t>
-            </a:r>
-          </a:p>
-          <a:p>
-            <a:pPr lvl="0" marL="0" indent="0">
+              <a:t>Program</a:t>
+            </a:r>
+            <a:r>
+              <a:rPr/>
+              <a:t> </a:t>
+            </a:r>
+            <a:r>
+              <a:rPr/>
+              <a:t>output,</a:t>
+            </a:r>
+            <a:r>
+              <a:rPr/>
+              <a:t> </a:t>
+            </a:r>
+            <a:r>
+              <a:rPr/>
+              <a:t>code</a:t>
+            </a:r>
+            <a:r>
+              <a:rPr/>
+              <a:t> </a:t>
+            </a:r>
+            <a:r>
+              <a:rPr/>
+              <a:t>chunk</a:t>
+            </a:r>
+          </a:p>
+        </p:txBody>
+      </p:sp>
+      <p:pic>
+        <p:nvPicPr>
+          <p:cNvPr descr="../images/output-code-chunk-1.png" id="0" name="Picture 1"/>
+          <p:cNvPicPr>
+            <a:picLocks noGrp="1" noChangeAspect="1"/>
+          </p:cNvPicPr>
+          <p:nvPr/>
+        </p:nvPicPr>
+        <p:blipFill>
+          <a:blip r:embed="rId3"/>
+          <a:stretch>
+            <a:fillRect/>
+          </a:stretch>
+        </p:blipFill>
+        <p:spPr bwMode="auto">
+          <a:xfrm>
+            <a:off x="457200" y="2324100"/>
+            <a:ext cx="8229600" cy="2578100"/>
+          </a:xfrm>
+          <a:prstGeom prst="rect">
+            <a:avLst/>
+          </a:prstGeom>
+          <a:noFill/>
+          <a:ln w="9525">
+            <a:noFill/>
+            <a:headEnd/>
+            <a:tailEnd/>
+          </a:ln>
+        </p:spPr>
+      </p:pic>
+      <p:sp>
+        <p:nvSpPr>
+          <p:cNvPr id="1" name="TextBox 3"/>
+          <p:cNvSpPr txBox="1"/>
+          <p:nvPr/>
+        </p:nvSpPr>
+        <p:spPr>
+          <a:xfrm>
+            <a:off x="457200" y="5613400"/>
+            <a:ext cx="8229600" cy="508000"/>
+          </a:xfrm>
+          <a:prstGeom prst="rect">
+            <a:avLst/>
+          </a:prstGeom>
+          <a:noFill/>
+        </p:spPr>
+        <p:txBody>
+          <a:bodyPr/>
+          <a:lstStyle/>
+          <a:p>
+            <a:pPr lvl="0" marL="0" indent="0" algn="ctr">
               <a:buNone/>
             </a:pPr>
             <a:r>
               <a:rPr/>
-              <a:t>A </a:t>
-            </a:r>
-            <a:r>
-              <a:rPr b="1"/>
-              <a:t>continuous variable</a:t>
-            </a:r>
-            <a:r>
-              <a:rPr/>
-              <a:t> is a variable that can take on a large number of possible values, potentially any value in some interval.</a:t>
-            </a:r>
-          </a:p>
-          <a:p>
-            <a:pPr lvl="0" marL="0" indent="0">
-              <a:buNone/>
-            </a:pPr>
-            <a:r>
-              <a:rPr/>
-              <a:t>Examples of continuous variables are</a:t>
-            </a:r>
-          </a:p>
-          <a:p>
-            <a:pPr lvl="1"/>
-            <a:r>
-              <a:rPr/>
-              <a:t>Birth weight in grams,</a:t>
-            </a:r>
-          </a:p>
-          <a:p>
-            <a:pPr lvl="1"/>
-            <a:r>
-              <a:rPr/>
-              <a:t>gestational age,</a:t>
-            </a:r>
-          </a:p>
-          <a:p>
-            <a:pPr lvl="1"/>
-            <a:r>
-              <a:rPr/>
-              <a:t>fasting LDL level.</a:t>
-            </a:r>
-          </a:p>
-          <a:p>
-            <a:pPr lvl="0" marL="0" indent="0">
-              <a:buNone/>
-            </a:pPr>
-            <a:r>
-              <a:rPr/>
-              <a:t>There are some variables that are on the boundary between categorical and continuous, but it is not worth quibbling about here.</a:t>
-            </a:r>
-          </a:p>
-          <a:p>
-            <a:pPr lvl="0" marL="0" indent="0">
-              <a:buNone/>
-            </a:pPr>
-            <a:r>
-              <a:rPr/>
-              <a:t>The point to remember is that the types of graphs that you use and the types of statistics that you compute are dependent on many things, but first and foremost on whether the variables are categorical, continuous, or a mixture.</a:t>
-            </a:r>
-          </a:p>
-          <a:p>
-            <a:pPr lvl="0" marL="0" indent="0">
-              <a:buNone/>
-            </a:pPr>
-            <a:r>
-              <a:rPr/>
-              <a:t>Today, you will see examples involving mostly continuous variables.</a:t>
-            </a:r>
-          </a:p>
-          <a:p>
-            <a:pPr lvl="0" marL="0" indent="0">
-              <a:buNone/>
-            </a:pPr>
-            <a:r>
-              <a:rPr/>
-              <a:t>The first data set we will work with shows data various body measurements. A brief description of this file is available at</a:t>
-            </a:r>
-          </a:p>
-          <a:p>
-            <a:pPr lvl="0" marL="0" indent="0">
-              <a:buNone/>
-            </a:pPr>
-            <a:r>
-              <a:rPr/>
-              <a:t>–&gt; </a:t>
-            </a:r>
-            <a:r>
-              <a:rPr>
-                <a:hlinkClick r:id="rId2"/>
-              </a:rPr>
-              <a:t>http://www.amstat.org/publications/jse/datasets/fat.txt</a:t>
-            </a:r>
-          </a:p>
-          <a:p>
-            <a:pPr lvl="0" marL="0" indent="0">
-              <a:buNone/>
-            </a:pPr>
-            <a:r>
-              <a:rPr/>
-              <a:t>You need to read in the file using the read.table function.</a:t>
-            </a:r>
-          </a:p>
-          <a:p>
-            <a:pPr lvl="0" marL="1270000" indent="0">
-              <a:buNone/>
-            </a:pPr>
-            <a:r>
-              <a:rPr sz="1800">
-                <a:latin typeface="Courier"/>
-              </a:rPr>
-              <a:t>fn &lt;-</a:t>
-            </a:r>
-            <a:r>
-              <a:rPr sz="1800">
-                <a:solidFill>
-                  <a:srgbClr val="4070A0"/>
-                </a:solidFill>
-                <a:latin typeface="Courier"/>
-              </a:rPr>
-              <a:t> "http://www.amstat.org/publications/jse/datasets/fat.dat.txt"</a:t>
-            </a:r>
-            <a:br/>
-            <a:r>
-              <a:rPr sz="1800">
-                <a:latin typeface="Courier"/>
-              </a:rPr>
-              <a:t>fd &lt;-</a:t>
-            </a:r>
-            <a:r>
-              <a:rPr sz="1800">
-                <a:solidFill>
-                  <a:srgbClr val="4070A0"/>
-                </a:solidFill>
-                <a:latin typeface="Courier"/>
-              </a:rPr>
-              <a:t> </a:t>
-            </a:r>
-            <a:r>
-              <a:rPr sz="1800" b="1">
-                <a:solidFill>
-                  <a:srgbClr val="007020"/>
-                </a:solidFill>
-                <a:latin typeface="Courier"/>
-              </a:rPr>
-              <a:t>read.table</a:t>
-            </a:r>
-            <a:r>
-              <a:rPr sz="1800">
-                <a:latin typeface="Courier"/>
-              </a:rPr>
-              <a:t>(</a:t>
-            </a:r>
-            <a:r>
-              <a:rPr sz="1800">
-                <a:solidFill>
-                  <a:srgbClr val="902000"/>
-                </a:solidFill>
-                <a:latin typeface="Courier"/>
-              </a:rPr>
-              <a:t>file=</a:t>
-            </a:r>
-            <a:r>
-              <a:rPr sz="1800">
-                <a:latin typeface="Courier"/>
-              </a:rPr>
-              <a:t>fn)</a:t>
-            </a:r>
-            <a:br/>
-            <a:r>
-              <a:rPr sz="1800" b="1">
-                <a:solidFill>
-                  <a:srgbClr val="007020"/>
-                </a:solidFill>
-                <a:latin typeface="Courier"/>
-              </a:rPr>
-              <a:t>head</a:t>
-            </a:r>
-            <a:r>
-              <a:rPr sz="1800">
-                <a:latin typeface="Courier"/>
-              </a:rPr>
-              <a:t>(fd)</a:t>
-            </a:r>
-          </a:p>
-          <a:p>
-            <a:pPr lvl="0" marL="1270000" indent="0">
-              <a:buNone/>
-            </a:pPr>
-            <a:r>
-              <a:rPr sz="1800">
-                <a:latin typeface="Courier"/>
-              </a:rPr>
-              <a:t>##   V1   V2   V3     V4 V5     V6    V7   V8    V9  V10   V11   V12   V13
-## 1  1 12.6 12.3 1.0708 23 154.25 67.75 23.7 134.9 36.2  93.1  85.2  94.5
-## 2  2  6.9  6.1 1.0853 22 173.25 72.25 23.4 161.3 38.5  93.6  83.0  98.7
-## 3  3 24.6 25.3 1.0414 22 154.00 66.25 24.7 116.0 34.0  95.8  87.9  99.2
-## 4  4 10.9 10.4 1.0751 26 184.75 72.25 24.9 164.7 37.4 101.8  86.4 101.2
-## 5  5 27.8 28.7 1.0340 24 184.25 71.25 25.6 133.1 34.4  97.3 100.0 101.9
-## 6  6 20.6 20.9 1.0502 24 210.25 74.75 26.5 167.0 39.0 104.5  94.4 107.8
-##    V14  V15  V16  V17  V18  V19
-## 1 59.0 37.3 21.9 32.0 27.4 17.1
-## 2 58.7 37.3 23.4 30.5 28.9 18.2
-## 3 59.6 38.9 24.0 28.8 25.2 16.6
-## 4 60.1 37.3 22.8 32.4 29.4 18.2
-## 5 63.2 42.2 24.0 32.2 27.7 17.7
-## 6 66.0 42.0 25.6 35.7 30.6 18.8</a:t>
-            </a:r>
-          </a:p>
-          <a:p>
-            <a:pPr lvl="0" marL="1270000" indent="0">
-              <a:buNone/>
-            </a:pPr>
-            <a:r>
-              <a:rPr sz="1800" b="1">
-                <a:solidFill>
-                  <a:srgbClr val="007020"/>
-                </a:solidFill>
-                <a:latin typeface="Courier"/>
-              </a:rPr>
-              <a:t>tail</a:t>
-            </a:r>
-            <a:r>
-              <a:rPr sz="1800">
-                <a:latin typeface="Courier"/>
-              </a:rPr>
-              <a:t>(fd)</a:t>
-            </a:r>
-          </a:p>
-          <a:p>
-            <a:pPr lvl="0" marL="1270000" indent="0">
-              <a:buNone/>
-            </a:pPr>
-            <a:r>
-              <a:rPr sz="1800">
-                <a:latin typeface="Courier"/>
-              </a:rPr>
-              <a:t>##      V1   V2   V3     V4 V5     V6    V7   V8    V9  V10   V11   V12   V13
-## 247 247 29.1 30.2 1.0308 69 215.50 70.50 30.5 152.7 40.8 113.7 107.6 110.0
-## 248 248 11.5 11.0 1.0736 70 134.25 67.00 21.1 118.9 34.9  89.2  83.6  88.8
-## 249 249 32.3 33.6 1.0236 72 201.00 69.75 29.1 136.1 40.9 108.5 105.0 104.5
-## 250 250 28.3 29.3 1.0328 72 186.75 66.00 30.2 133.9 38.9 111.1 111.5 101.7
-## 251 251 25.3 26.0 1.0399 72 190.75 70.50 27.0 142.6 38.9 108.3 101.3  97.8
-## 252 252 30.7 31.9 1.0271 74 207.50 70.00 29.8 143.7 40.8 112.4 108.5 107.1
-##      V14  V15  V16  V17  V18  V19
-## 247 63.3 44.0 22.6 37.5 32.6 18.8
-## 248 49.6 34.8 21.5 25.6 25.7 18.5
-## 249 59.6 40.8 23.2 35.2 28.6 20.1
-## 250 60.3 37.3 21.5 31.3 27.2 18.0
-## 251 56.0 41.6 22.7 30.5 29.4 19.8
-## 252 59.3 42.2 24.6 33.7 30.0 20.9</a:t>
-            </a:r>
-          </a:p>
-          <a:p>
-            <a:pPr lvl="0" marL="0" indent="0">
-              <a:buNone/>
-            </a:pPr>
-            <a:r>
-              <a:rPr/>
-              <a:t>R has many of the features of an object-oriented language, but it is not a true object-oriented programming language. There are a variety of objects in R like vectors, lists, matrices, and arrays, that are useful for storing, manipulating, and analyzing research data. We will spend most of this class using a particular object, the data frame.</a:t>
-            </a:r>
-          </a:p>
-          <a:p>
-            <a:pPr lvl="0" marL="0" indent="0">
-              <a:buNone/>
-            </a:pPr>
-            <a:r>
-              <a:rPr/>
-              <a:t>The object, fd, that you just created with the read.table function is a data frame. Data frames are rectangular grids of data. Each column in the data frame has the same length. A data frame can store data of various types (numeric, character, and dates are the most common types of data). The data within a column has to have the same type, but the different columns can have different data types.</a:t>
-            </a:r>
-          </a:p>
-          <a:p>
-            <a:pPr lvl="0" marL="0" indent="0">
-              <a:buNone/>
-            </a:pPr>
-            <a:r>
-              <a:rPr/>
-              <a:t>There are times when the rectangular grid of a data frame is too restrictive for your data, and R has other ways of storing this data (most notably, lists), but you will find that for most data analyses, a data frame will work just fine.</a:t>
-            </a:r>
-          </a:p>
-          <a:p>
-            <a:pPr lvl="0" marL="0" indent="0">
-              <a:buNone/>
-            </a:pPr>
-            <a:r>
-              <a:rPr/>
-              <a:t>The head function shows the first few rows of the data set and the tail function shows the last few rows of the data set.</a:t>
-            </a:r>
-          </a:p>
-          <a:p>
-            <a:pPr lvl="0" marL="0" indent="0">
-              <a:buNone/>
-            </a:pPr>
-            <a:r>
-              <a:rPr/>
-              <a:t>Always get in the habit of checking out the very bottom of your data frame. It’s a common location for glitches.</a:t>
-            </a:r>
-          </a:p>
-          <a:p>
-            <a:pPr lvl="0" marL="0" indent="0">
-              <a:buNone/>
-            </a:pPr>
-            <a:r>
-              <a:rPr/>
-              <a:t>This data set did not have a header, a line at the very top of the file that lists variable names. R uses the default names V1, V2, etc. As a general rule, you should use brief (but descriptive) names for every variable in your data set. The names should be around 8 characters long. Longer variable names make your typing tedious and much shorter variable names makes your code terse and cryptic.</a:t>
-            </a:r>
-          </a:p>
-          <a:p>
-            <a:pPr lvl="0" marL="0" indent="0">
-              <a:buNone/>
-            </a:pPr>
-            <a:r>
-              <a:rPr/>
-              <a:t>You should avoid special symbols in your variable names especially symbols that are likely to cause confusion (the dash symbol, for example, which is also the symbol for subtraction). You should also avoid blanks. These rules are pretty much universal across most statistical software packages. If you violate these rules, you will find out that, at a minimum, you will always have to surround your variable name by quotes to avoid problems.</a:t>
-            </a:r>
-          </a:p>
-          <a:p>
-            <a:pPr lvl="0" marL="0" indent="0">
-              <a:buNone/>
-            </a:pPr>
-            <a:r>
-              <a:rPr/>
-              <a:t>There are times when you’d like to have a blank in your variable name and you can use two special symbols that you can use in R (and most other statistical pacakges), the underscore symbol (above the minus key on most keyboards) and the dot (period). These symbols create some artificial spacing that mimics the blanks. Another approach is “CamelCase” which is the mixture of upper and lower case within a variable name with each uppercase designating the beginning of a new “word”.</a:t>
-            </a:r>
-          </a:p>
-          <a:p>
-            <a:pPr lvl="0" marL="0" indent="0">
-              <a:buNone/>
-            </a:pPr>
-            <a:r>
-              <a:rPr/>
-              <a:t>The names function will display the variable names in your data set.</a:t>
-            </a:r>
-          </a:p>
-          <a:p>
-            <a:pPr lvl="0" marL="1270000" indent="0">
-              <a:buNone/>
-            </a:pPr>
-            <a:r>
-              <a:rPr sz="1800" b="1">
-                <a:solidFill>
-                  <a:srgbClr val="007020"/>
-                </a:solidFill>
-                <a:latin typeface="Courier"/>
-              </a:rPr>
-              <a:t>names</a:t>
-            </a:r>
-            <a:r>
-              <a:rPr sz="1800">
-                <a:latin typeface="Courier"/>
-              </a:rPr>
-              <a:t>(fd)</a:t>
-            </a:r>
-          </a:p>
-          <a:p>
-            <a:pPr lvl="0" marL="1270000" indent="0">
-              <a:buNone/>
-            </a:pPr>
-            <a:r>
-              <a:rPr sz="1800">
-                <a:latin typeface="Courier"/>
-              </a:rPr>
-              <a:t>##  [1] "V1"  "V2"  "V3"  "V4"  "V5"  "V6"  "V7"  "V8"  "V9"  "V10" "V11"
-## [12] "V12" "V13" "V14" "V15" "V16" "V17" "V18" "V19"</a:t>
-            </a:r>
-          </a:p>
-          <a:p>
-            <a:pPr lvl="0" marL="0" indent="0">
-              <a:buNone/>
-            </a:pPr>
-            <a:r>
-              <a:rPr/>
-              <a:t>You also can use the names function to create a different set of variable names.</a:t>
-            </a:r>
-          </a:p>
-          <a:p>
-            <a:pPr lvl="0" marL="1270000" indent="0">
-              <a:buNone/>
-            </a:pPr>
-            <a:r>
-              <a:rPr sz="1800" b="1">
-                <a:solidFill>
-                  <a:srgbClr val="007020"/>
-                </a:solidFill>
-                <a:latin typeface="Courier"/>
-              </a:rPr>
-              <a:t>names</a:t>
-            </a:r>
-            <a:r>
-              <a:rPr sz="1800">
-                <a:latin typeface="Courier"/>
-              </a:rPr>
-              <a:t>(fd) &lt;-</a:t>
-            </a:r>
-            <a:r>
-              <a:rPr sz="1800">
-                <a:solidFill>
-                  <a:srgbClr val="4070A0"/>
-                </a:solidFill>
-                <a:latin typeface="Courier"/>
-              </a:rPr>
-              <a:t> </a:t>
-            </a:r>
-            <a:r>
-              <a:rPr sz="1800" b="1">
-                <a:solidFill>
-                  <a:srgbClr val="007020"/>
-                </a:solidFill>
-                <a:latin typeface="Courier"/>
-              </a:rPr>
-              <a:t>c</a:t>
-            </a:r>
-            <a:r>
-              <a:rPr sz="1800">
-                <a:latin typeface="Courier"/>
-              </a:rPr>
-              <a:t>(</a:t>
-            </a:r>
-            <a:r>
-              <a:rPr sz="1800">
-                <a:solidFill>
-                  <a:srgbClr val="4070A0"/>
-                </a:solidFill>
-                <a:latin typeface="Courier"/>
-              </a:rPr>
-              <a:t>"case"</a:t>
-            </a:r>
-            <a:r>
-              <a:rPr sz="1800">
-                <a:latin typeface="Courier"/>
-              </a:rPr>
-              <a:t>,</a:t>
-            </a:r>
-            <a:r>
-              <a:rPr sz="1800">
-                <a:solidFill>
-                  <a:srgbClr val="4070A0"/>
-                </a:solidFill>
-                <a:latin typeface="Courier"/>
-              </a:rPr>
-              <a:t>"fat.b"</a:t>
-            </a:r>
-            <a:r>
-              <a:rPr sz="1800">
-                <a:latin typeface="Courier"/>
-              </a:rPr>
-              <a:t>,</a:t>
-            </a:r>
-            <a:r>
-              <a:rPr sz="1800">
-                <a:solidFill>
-                  <a:srgbClr val="4070A0"/>
-                </a:solidFill>
-                <a:latin typeface="Courier"/>
-              </a:rPr>
-              <a:t>"fat.s"</a:t>
-            </a:r>
-            <a:r>
-              <a:rPr sz="1800">
-                <a:latin typeface="Courier"/>
-              </a:rPr>
-              <a:t>,</a:t>
-            </a:r>
-            <a:r>
-              <a:rPr sz="1800">
-                <a:solidFill>
-                  <a:srgbClr val="4070A0"/>
-                </a:solidFill>
-                <a:latin typeface="Courier"/>
-              </a:rPr>
-              <a:t>"dens"</a:t>
-            </a:r>
-            <a:r>
-              <a:rPr sz="1800">
-                <a:latin typeface="Courier"/>
-              </a:rPr>
-              <a:t>,</a:t>
-            </a:r>
-            <a:r>
-              <a:rPr sz="1800">
-                <a:solidFill>
-                  <a:srgbClr val="4070A0"/>
-                </a:solidFill>
-                <a:latin typeface="Courier"/>
-              </a:rPr>
-              <a:t>"age"</a:t>
-            </a:r>
-            <a:r>
-              <a:rPr sz="1800">
-                <a:latin typeface="Courier"/>
-              </a:rPr>
-              <a:t>,</a:t>
-            </a:r>
-            <a:r>
-              <a:rPr sz="1800">
-                <a:solidFill>
-                  <a:srgbClr val="4070A0"/>
-                </a:solidFill>
-                <a:latin typeface="Courier"/>
-              </a:rPr>
-              <a:t>"wt"</a:t>
-            </a:r>
-            <a:r>
-              <a:rPr sz="1800">
-                <a:latin typeface="Courier"/>
-              </a:rPr>
-              <a:t>,</a:t>
-            </a:r>
-            <a:r>
-              <a:rPr sz="1800">
-                <a:solidFill>
-                  <a:srgbClr val="4070A0"/>
-                </a:solidFill>
-                <a:latin typeface="Courier"/>
-              </a:rPr>
-              <a:t>"ht"</a:t>
-            </a:r>
-            <a:r>
-              <a:rPr sz="1800">
-                <a:latin typeface="Courier"/>
-              </a:rPr>
-              <a:t>,</a:t>
-            </a:r>
-            <a:r>
-              <a:rPr sz="1800">
-                <a:solidFill>
-                  <a:srgbClr val="4070A0"/>
-                </a:solidFill>
-                <a:latin typeface="Courier"/>
-              </a:rPr>
-              <a:t>"bmi"</a:t>
-            </a:r>
-            <a:r>
-              <a:rPr sz="1800">
-                <a:latin typeface="Courier"/>
-              </a:rPr>
-              <a:t>,</a:t>
-            </a:r>
-            <a:r>
-              <a:rPr sz="1800">
-                <a:solidFill>
-                  <a:srgbClr val="4070A0"/>
-                </a:solidFill>
-                <a:latin typeface="Courier"/>
-              </a:rPr>
-              <a:t>"ffw"</a:t>
-            </a:r>
-            <a:r>
-              <a:rPr sz="1800">
-                <a:latin typeface="Courier"/>
-              </a:rPr>
-              <a:t>,</a:t>
-            </a:r>
-            <a:r>
-              <a:rPr sz="1800">
-                <a:solidFill>
-                  <a:srgbClr val="4070A0"/>
-                </a:solidFill>
-                <a:latin typeface="Courier"/>
-              </a:rPr>
-              <a:t>"neck"</a:t>
-            </a:r>
-            <a:r>
-              <a:rPr sz="1800">
-                <a:latin typeface="Courier"/>
-              </a:rPr>
-              <a:t>,</a:t>
-            </a:r>
-            <a:r>
-              <a:rPr sz="1800">
-                <a:solidFill>
-                  <a:srgbClr val="4070A0"/>
-                </a:solidFill>
-                <a:latin typeface="Courier"/>
-              </a:rPr>
-              <a:t>"chest"</a:t>
-            </a:r>
-            <a:r>
-              <a:rPr sz="1800">
-                <a:latin typeface="Courier"/>
-              </a:rPr>
-              <a:t>,</a:t>
-            </a:r>
-            <a:r>
-              <a:rPr sz="1800">
-                <a:solidFill>
-                  <a:srgbClr val="4070A0"/>
-                </a:solidFill>
-                <a:latin typeface="Courier"/>
-              </a:rPr>
-              <a:t>"abdomen"</a:t>
-            </a:r>
-            <a:r>
-              <a:rPr sz="1800">
-                <a:latin typeface="Courier"/>
-              </a:rPr>
-              <a:t>,</a:t>
-            </a:r>
-            <a:r>
-              <a:rPr sz="1800">
-                <a:solidFill>
-                  <a:srgbClr val="4070A0"/>
-                </a:solidFill>
-                <a:latin typeface="Courier"/>
-              </a:rPr>
-              <a:t>"hip"</a:t>
-            </a:r>
-            <a:r>
-              <a:rPr sz="1800">
-                <a:latin typeface="Courier"/>
-              </a:rPr>
-              <a:t>,</a:t>
-            </a:r>
-            <a:r>
-              <a:rPr sz="1800">
-                <a:solidFill>
-                  <a:srgbClr val="4070A0"/>
-                </a:solidFill>
-                <a:latin typeface="Courier"/>
-              </a:rPr>
-              <a:t>"thigh"</a:t>
-            </a:r>
-            <a:r>
-              <a:rPr sz="1800">
-                <a:latin typeface="Courier"/>
-              </a:rPr>
-              <a:t>,</a:t>
-            </a:r>
-            <a:r>
-              <a:rPr sz="1800">
-                <a:solidFill>
-                  <a:srgbClr val="4070A0"/>
-                </a:solidFill>
-                <a:latin typeface="Courier"/>
-              </a:rPr>
-              <a:t>"knee"</a:t>
-            </a:r>
-            <a:r>
-              <a:rPr sz="1800">
-                <a:latin typeface="Courier"/>
-              </a:rPr>
-              <a:t>,</a:t>
-            </a:r>
-            <a:r>
-              <a:rPr sz="1800">
-                <a:solidFill>
-                  <a:srgbClr val="4070A0"/>
-                </a:solidFill>
-                <a:latin typeface="Courier"/>
-              </a:rPr>
-              <a:t>"ankle"</a:t>
-            </a:r>
-            <a:r>
-              <a:rPr sz="1800">
-                <a:latin typeface="Courier"/>
-              </a:rPr>
-              <a:t>,</a:t>
-            </a:r>
-            <a:r>
-              <a:rPr sz="1800">
-                <a:solidFill>
-                  <a:srgbClr val="4070A0"/>
-                </a:solidFill>
-                <a:latin typeface="Courier"/>
-              </a:rPr>
-              <a:t>"biceps"</a:t>
-            </a:r>
-            <a:r>
-              <a:rPr sz="1800">
-                <a:latin typeface="Courier"/>
-              </a:rPr>
-              <a:t>,</a:t>
-            </a:r>
-            <a:r>
-              <a:rPr sz="1800">
-                <a:solidFill>
-                  <a:srgbClr val="4070A0"/>
-                </a:solidFill>
-                <a:latin typeface="Courier"/>
-              </a:rPr>
-              <a:t>"forearm"</a:t>
-            </a:r>
-            <a:r>
-              <a:rPr sz="1800">
-                <a:latin typeface="Courier"/>
-              </a:rPr>
-              <a:t>,</a:t>
-            </a:r>
-            <a:r>
-              <a:rPr sz="1800">
-                <a:solidFill>
-                  <a:srgbClr val="4070A0"/>
-                </a:solidFill>
-                <a:latin typeface="Courier"/>
-              </a:rPr>
-              <a:t>"wrist"</a:t>
-            </a:r>
-            <a:r>
-              <a:rPr sz="1800">
-                <a:latin typeface="Courier"/>
-              </a:rPr>
-              <a:t>)</a:t>
-            </a:r>
-          </a:p>
-          <a:p>
-            <a:pPr lvl="0" marL="0" indent="0">
-              <a:buNone/>
-            </a:pPr>
-            <a:r>
-              <a:rPr/>
-              <a:t>I’m a bit more terse with these variable names than I normally would be just to reduce the amount of typing you have to do.</a:t>
-            </a:r>
-          </a:p>
-          <a:p>
-            <a:pPr lvl="0" marL="0" indent="0">
-              <a:buNone/>
-            </a:pPr>
-            <a:r>
-              <a:rPr/>
-              <a:t>Now, when you display part or all of your data frame, the new names will help you navigate successfully through it.</a:t>
-            </a:r>
-          </a:p>
-          <a:p>
-            <a:pPr lvl="0" marL="1270000" indent="0">
-              <a:buNone/>
-            </a:pPr>
-            <a:r>
-              <a:rPr sz="1800" b="1">
-                <a:solidFill>
-                  <a:srgbClr val="007020"/>
-                </a:solidFill>
-                <a:latin typeface="Courier"/>
-              </a:rPr>
-              <a:t>head</a:t>
-            </a:r>
-            <a:r>
-              <a:rPr sz="1800">
-                <a:latin typeface="Courier"/>
-              </a:rPr>
-              <a:t>(fd)</a:t>
-            </a:r>
-          </a:p>
-          <a:p>
-            <a:pPr lvl="0" marL="1270000" indent="0">
-              <a:buNone/>
-            </a:pPr>
-            <a:r>
-              <a:rPr sz="1800">
-                <a:latin typeface="Courier"/>
-              </a:rPr>
-              <a:t>##   case fat.b fat.s   dens age     wt    ht  bmi   ffw neck chest abdomen
-## 1    1  12.6  12.3 1.0708  23 154.25 67.75 23.7 134.9 36.2  93.1    85.2
-## 2    2   6.9   6.1 1.0853  22 173.25 72.25 23.4 161.3 38.5  93.6    83.0
-## 3    3  24.6  25.3 1.0414  22 154.00 66.25 24.7 116.0 34.0  95.8    87.9
-## 4    4  10.9  10.4 1.0751  26 184.75 72.25 24.9 164.7 37.4 101.8    86.4
-## 5    5  27.8  28.7 1.0340  24 184.25 71.25 25.6 133.1 34.4  97.3   100.0
-## 6    6  20.6  20.9 1.0502  24 210.25 74.75 26.5 167.0 39.0 104.5    94.4
-##     hip thigh knee ankle biceps forearm wrist
-## 1  94.5  59.0 37.3  21.9   32.0    27.4  17.1
-## 2  98.7  58.7 37.3  23.4   30.5    28.9  18.2
-## 3  99.2  59.6 38.9  24.0   28.8    25.2  16.6
-## 4 101.2  60.1 37.3  22.8   32.4    29.4  18.2
-## 5 101.9  63.2 42.2  24.0   32.2    27.7  17.7
-## 6 107.8  66.0 42.0  25.6   35.7    30.6  18.8</a:t>
-            </a:r>
-          </a:p>
-          <a:p>
-            <a:pPr lvl="0" marL="0" indent="0">
-              <a:buNone/>
-            </a:pPr>
-            <a:r>
-              <a:rPr/>
-              <a:t>Most statistical packages allow you to provide a longer description for each variable in your dataset (a variable label, for example, in SPSS). The longer descriptions have almost no restrictions on blanks or special symbols and are useful for documenting the units of measurement for your variable, among other things. R does not have a formal equivalent to the SPSS variable label.</a:t>
-            </a:r>
-          </a:p>
-          <a:p>
-            <a:pPr lvl="0" marL="0" indent="0">
-              <a:buNone/>
-            </a:pPr>
-            <a:r>
-              <a:rPr/>
-              <a:t>We’ll talk about additional documentation requirements for categorical data in part 2 of this class.</a:t>
-            </a:r>
-          </a:p>
-          <a:p>
-            <a:pPr lvl="0" marL="0" indent="0">
-              <a:buNone/>
-            </a:pPr>
-            <a:r>
-              <a:rPr/>
-              <a:t>I’m going to take a short break and you can also. Before you take your break, save your work. The save.image function stores a binary version of all your objects.</a:t>
-            </a:r>
-          </a:p>
-          <a:p>
-            <a:pPr lvl="0" marL="1270000" indent="0">
-              <a:buNone/>
-            </a:pPr>
-            <a:r>
-              <a:rPr sz="1800" b="1">
-                <a:solidFill>
-                  <a:srgbClr val="007020"/>
-                </a:solidFill>
-                <a:latin typeface="Courier"/>
-              </a:rPr>
-              <a:t>save.image</a:t>
-            </a:r>
-            <a:r>
-              <a:rPr sz="1800">
-                <a:latin typeface="Courier"/>
-              </a:rPr>
-              <a:t>(</a:t>
-            </a:r>
-            <a:r>
-              <a:rPr sz="1800">
-                <a:solidFill>
-                  <a:srgbClr val="902000"/>
-                </a:solidFill>
-                <a:latin typeface="Courier"/>
-              </a:rPr>
-              <a:t>file=</a:t>
-            </a:r>
-            <a:r>
-              <a:rPr sz="1800">
-                <a:solidFill>
-                  <a:srgbClr val="4070A0"/>
-                </a:solidFill>
-                <a:latin typeface="Courier"/>
-              </a:rPr>
-              <a:t>"../results/part1.RData"</a:t>
-            </a:r>
-            <a:r>
-              <a:rPr sz="1800">
-                <a:latin typeface="Courier"/>
-              </a:rPr>
-              <a:t>)</a:t>
-            </a:r>
-          </a:p>
-          <a:p>
-            <a:pPr lvl="0" marL="0" indent="0">
-              <a:buNone/>
-            </a:pPr>
-            <a:r>
-              <a:rPr/>
-              <a:t>Before you go, answer the following quiz questions.</a:t>
-            </a:r>
-          </a:p>
-          <a:p>
-            <a:pPr lvl="0" marL="0" indent="0">
-              <a:buNone/>
-            </a:pPr>
-            <a:r>
-              <a:rPr>
-                <a:hlinkClick r:id="rId3"/>
-              </a:rPr>
-              <a:t>http://www.pmean.com/15/images/quiz1a.html</a:t>
-            </a:r>
-          </a:p>
-          <a:p>
-            <a:pPr lvl="0" marL="0" indent="0">
-              <a:buNone/>
-            </a:pPr>
-            <a:r>
-              <a:rPr/>
-              <a:t>Send the answers to the quiz by email with the subject line</a:t>
-            </a:r>
-          </a:p>
-          <a:p>
-            <a:pPr lvl="0" marL="0" indent="0">
-              <a:buNone/>
-            </a:pPr>
-            <a:r>
-              <a:rPr/>
-              <a:t>Introduction to R, (your name), quiz 1a.</a:t>
+              <a:t>Screenshot</a:t>
+            </a:r>
+            <a:r>
+              <a:rPr/>
+              <a:t> </a:t>
+            </a:r>
+            <a:r>
+              <a:rPr/>
+              <a:t>of</a:t>
+            </a:r>
+            <a:r>
+              <a:rPr/>
+              <a:t> </a:t>
+            </a:r>
+            <a:r>
+              <a:rPr/>
+              <a:t>output</a:t>
+            </a:r>
+            <a:r>
+              <a:rPr/>
+              <a:t> </a:t>
+            </a:r>
+            <a:r>
+              <a:rPr/>
+              <a:t>code</a:t>
+            </a:r>
+            <a:r>
+              <a:rPr/>
+              <a:t> </a:t>
+            </a:r>
+            <a:r>
+              <a:rPr/>
+              <a:t>chunk</a:t>
             </a:r>
           </a:p>
         </p:txBody>
@@ -10763,6 +12225,535 @@
                 <a:hlinkClick r:id="rId4"/>
               </a:rPr>
               <a:t>http://blog.pmean.com/powerpoint-with-r-markdown/</a:t>
+            </a:r>
+          </a:p>
+        </p:txBody>
+      </p:sp>
+    </p:spTree>
+  </p:cSld>
+</p:sld>
+</file>
+
+<file path=ppt/slides/slide20.xml><?xml version="1.0" encoding="utf-8"?>
+<p:sld xmlns:a="http://schemas.openxmlformats.org/drawingml/2006/main" xmlns:r="http://schemas.openxmlformats.org/officeDocument/2006/relationships" xmlns:p="http://schemas.openxmlformats.org/presentationml/2006/main">
+  <p:cSld>
+    <p:spTree>
+      <p:nvGrpSpPr>
+        <p:cNvPr id="1" name=""/>
+        <p:cNvGrpSpPr/>
+        <p:nvPr/>
+      </p:nvGrpSpPr>
+      <p:grpSpPr>
+        <a:xfrm>
+          <a:off x="0" y="0"/>
+          <a:ext cx="0" cy="0"/>
+          <a:chOff x="0" y="0"/>
+          <a:chExt cx="0" cy="0"/>
+        </a:xfrm>
+      </p:grpSpPr>
+      <p:sp>
+        <p:nvSpPr>
+          <p:cNvPr id="2" name="Title 1"/>
+          <p:cNvSpPr>
+            <a:spLocks noGrp="1"/>
+          </p:cNvSpPr>
+          <p:nvPr>
+            <p:ph type="title"/>
+          </p:nvPr>
+        </p:nvSpPr>
+        <p:spPr/>
+        <p:txBody>
+          <a:bodyPr/>
+          <a:lstStyle/>
+          <a:p>
+            <a:pPr lvl="0" marL="0" indent="0">
+              <a:buNone/>
+            </a:pPr>
+            <a:r>
+              <a:rPr/>
+              <a:t>Program</a:t>
+            </a:r>
+            <a:r>
+              <a:rPr/>
+              <a:t> </a:t>
+            </a:r>
+            <a:r>
+              <a:rPr/>
+              <a:t>output,</a:t>
+            </a:r>
+            <a:r>
+              <a:rPr/>
+              <a:t> </a:t>
+            </a:r>
+            <a:r>
+              <a:rPr/>
+              <a:t>more</a:t>
+            </a:r>
+            <a:r>
+              <a:rPr/>
+              <a:t> </a:t>
+            </a:r>
+            <a:r>
+              <a:rPr/>
+              <a:t>free</a:t>
+            </a:r>
+            <a:r>
+              <a:rPr/>
+              <a:t> </a:t>
+            </a:r>
+            <a:r>
+              <a:rPr/>
+              <a:t>text</a:t>
+            </a:r>
+          </a:p>
+        </p:txBody>
+      </p:sp>
+      <p:pic>
+        <p:nvPicPr>
+          <p:cNvPr descr="../images/output-free-text-2.png" id="0" name="Picture 1"/>
+          <p:cNvPicPr>
+            <a:picLocks noGrp="1" noChangeAspect="1"/>
+          </p:cNvPicPr>
+          <p:nvPr/>
+        </p:nvPicPr>
+        <p:blipFill>
+          <a:blip r:embed="rId3"/>
+          <a:stretch>
+            <a:fillRect/>
+          </a:stretch>
+        </p:blipFill>
+        <p:spPr bwMode="auto">
+          <a:xfrm>
+            <a:off x="457200" y="3200400"/>
+            <a:ext cx="8229600" cy="812800"/>
+          </a:xfrm>
+          <a:prstGeom prst="rect">
+            <a:avLst/>
+          </a:prstGeom>
+          <a:noFill/>
+          <a:ln w="9525">
+            <a:noFill/>
+            <a:headEnd/>
+            <a:tailEnd/>
+          </a:ln>
+        </p:spPr>
+      </p:pic>
+      <p:sp>
+        <p:nvSpPr>
+          <p:cNvPr id="1" name="TextBox 3"/>
+          <p:cNvSpPr txBox="1"/>
+          <p:nvPr/>
+        </p:nvSpPr>
+        <p:spPr>
+          <a:xfrm>
+            <a:off x="457200" y="5613400"/>
+            <a:ext cx="8229600" cy="508000"/>
+          </a:xfrm>
+          <a:prstGeom prst="rect">
+            <a:avLst/>
+          </a:prstGeom>
+          <a:noFill/>
+        </p:spPr>
+        <p:txBody>
+          <a:bodyPr/>
+          <a:lstStyle/>
+          <a:p>
+            <a:pPr lvl="0" marL="0" indent="0" algn="ctr">
+              <a:buNone/>
+            </a:pPr>
+            <a:r>
+              <a:rPr/>
+              <a:t>Screenshot</a:t>
+            </a:r>
+            <a:r>
+              <a:rPr/>
+              <a:t> </a:t>
+            </a:r>
+            <a:r>
+              <a:rPr/>
+              <a:t>of</a:t>
+            </a:r>
+            <a:r>
+              <a:rPr/>
+              <a:t> </a:t>
+            </a:r>
+            <a:r>
+              <a:rPr/>
+              <a:t>output</a:t>
+            </a:r>
+            <a:r>
+              <a:rPr/>
+              <a:t> </a:t>
+            </a:r>
+            <a:r>
+              <a:rPr/>
+              <a:t>free</a:t>
+            </a:r>
+            <a:r>
+              <a:rPr/>
+              <a:t> </a:t>
+            </a:r>
+            <a:r>
+              <a:rPr/>
+              <a:t>text</a:t>
+            </a:r>
+          </a:p>
+        </p:txBody>
+      </p:sp>
+    </p:spTree>
+  </p:cSld>
+</p:sld>
+</file>
+
+<file path=ppt/slides/slide21.xml><?xml version="1.0" encoding="utf-8"?>
+<p:sld xmlns:a="http://schemas.openxmlformats.org/drawingml/2006/main" xmlns:r="http://schemas.openxmlformats.org/officeDocument/2006/relationships" xmlns:p="http://schemas.openxmlformats.org/presentationml/2006/main">
+  <p:cSld>
+    <p:spTree>
+      <p:nvGrpSpPr>
+        <p:cNvPr id="1" name=""/>
+        <p:cNvGrpSpPr/>
+        <p:nvPr/>
+      </p:nvGrpSpPr>
+      <p:grpSpPr>
+        <a:xfrm>
+          <a:off x="0" y="0"/>
+          <a:ext cx="0" cy="0"/>
+          <a:chOff x="0" y="0"/>
+          <a:chExt cx="0" cy="0"/>
+        </a:xfrm>
+      </p:grpSpPr>
+      <p:sp>
+        <p:nvSpPr>
+          <p:cNvPr id="2" name="Title 1"/>
+          <p:cNvSpPr>
+            <a:spLocks noGrp="1"/>
+          </p:cNvSpPr>
+          <p:nvPr>
+            <p:ph type="title"/>
+          </p:nvPr>
+        </p:nvSpPr>
+        <p:spPr/>
+        <p:txBody>
+          <a:bodyPr/>
+          <a:lstStyle/>
+          <a:p>
+            <a:pPr lvl="0" marL="0" indent="0">
+              <a:buNone/>
+            </a:pPr>
+            <a:r>
+              <a:rPr/>
+              <a:t>Program</a:t>
+            </a:r>
+            <a:r>
+              <a:rPr/>
+              <a:t> </a:t>
+            </a:r>
+            <a:r>
+              <a:rPr/>
+              <a:t>output,</a:t>
+            </a:r>
+            <a:r>
+              <a:rPr/>
+              <a:t> </a:t>
+            </a:r>
+            <a:r>
+              <a:rPr/>
+              <a:t>second</a:t>
+            </a:r>
+            <a:r>
+              <a:rPr/>
+              <a:t> </a:t>
+            </a:r>
+            <a:r>
+              <a:rPr/>
+              <a:t>code</a:t>
+            </a:r>
+            <a:r>
+              <a:rPr/>
+              <a:t> </a:t>
+            </a:r>
+            <a:r>
+              <a:rPr/>
+              <a:t>chunk</a:t>
+            </a:r>
+          </a:p>
+        </p:txBody>
+      </p:sp>
+      <p:pic>
+        <p:nvPicPr>
+          <p:cNvPr descr="../images/output-code-chunk-2.png" id="0" name="Picture 1"/>
+          <p:cNvPicPr>
+            <a:picLocks noGrp="1" noChangeAspect="1"/>
+          </p:cNvPicPr>
+          <p:nvPr/>
+        </p:nvPicPr>
+        <p:blipFill>
+          <a:blip r:embed="rId3"/>
+          <a:stretch>
+            <a:fillRect/>
+          </a:stretch>
+        </p:blipFill>
+        <p:spPr bwMode="auto">
+          <a:xfrm>
+            <a:off x="2311400" y="1600200"/>
+            <a:ext cx="4508500" cy="4013200"/>
+          </a:xfrm>
+          <a:prstGeom prst="rect">
+            <a:avLst/>
+          </a:prstGeom>
+          <a:noFill/>
+          <a:ln w="9525">
+            <a:noFill/>
+            <a:headEnd/>
+            <a:tailEnd/>
+          </a:ln>
+        </p:spPr>
+      </p:pic>
+      <p:sp>
+        <p:nvSpPr>
+          <p:cNvPr id="1" name="TextBox 3"/>
+          <p:cNvSpPr txBox="1"/>
+          <p:nvPr/>
+        </p:nvSpPr>
+        <p:spPr>
+          <a:xfrm>
+            <a:off x="457200" y="5613400"/>
+            <a:ext cx="8229600" cy="508000"/>
+          </a:xfrm>
+          <a:prstGeom prst="rect">
+            <a:avLst/>
+          </a:prstGeom>
+          <a:noFill/>
+        </p:spPr>
+        <p:txBody>
+          <a:bodyPr/>
+          <a:lstStyle/>
+          <a:p>
+            <a:pPr lvl="0" marL="0" indent="0" algn="ctr">
+              <a:buNone/>
+            </a:pPr>
+            <a:r>
+              <a:rPr/>
+              <a:t>Screenshot</a:t>
+            </a:r>
+            <a:r>
+              <a:rPr/>
+              <a:t> </a:t>
+            </a:r>
+            <a:r>
+              <a:rPr/>
+              <a:t>of</a:t>
+            </a:r>
+            <a:r>
+              <a:rPr/>
+              <a:t> </a:t>
+            </a:r>
+            <a:r>
+              <a:rPr/>
+              <a:t>output</a:t>
+            </a:r>
+            <a:r>
+              <a:rPr/>
+              <a:t> </a:t>
+            </a:r>
+            <a:r>
+              <a:rPr/>
+              <a:t>code</a:t>
+            </a:r>
+            <a:r>
+              <a:rPr/>
+              <a:t> </a:t>
+            </a:r>
+            <a:r>
+              <a:rPr/>
+              <a:t>chunk</a:t>
+            </a:r>
+          </a:p>
+        </p:txBody>
+      </p:sp>
+    </p:spTree>
+  </p:cSld>
+</p:sld>
+</file>
+
+<file path=ppt/slides/slide22.xml><?xml version="1.0" encoding="utf-8"?>
+<p:sld xmlns:a="http://schemas.openxmlformats.org/drawingml/2006/main" xmlns:r="http://schemas.openxmlformats.org/officeDocument/2006/relationships" xmlns:p="http://schemas.openxmlformats.org/presentationml/2006/main">
+  <p:cSld>
+    <p:spTree>
+      <p:nvGrpSpPr>
+        <p:cNvPr id="1" name=""/>
+        <p:cNvGrpSpPr/>
+        <p:nvPr/>
+      </p:nvGrpSpPr>
+      <p:grpSpPr>
+        <a:xfrm>
+          <a:off x="0" y="0"/>
+          <a:ext cx="0" cy="0"/>
+          <a:chOff x="0" y="0"/>
+          <a:chExt cx="0" cy="0"/>
+        </a:xfrm>
+      </p:grpSpPr>
+      <p:sp>
+        <p:nvSpPr>
+          <p:cNvPr id="2" name="Title 1"/>
+          <p:cNvSpPr>
+            <a:spLocks noGrp="1"/>
+          </p:cNvSpPr>
+          <p:nvPr>
+            <p:ph type="title"/>
+          </p:nvPr>
+        </p:nvSpPr>
+        <p:spPr/>
+        <p:txBody>
+          <a:bodyPr/>
+          <a:lstStyle/>
+          <a:p>
+            <a:pPr lvl="0" marL="0" indent="0">
+              <a:buNone/>
+            </a:pPr>
+            <a:r>
+              <a:rPr/>
+              <a:t>Program</a:t>
+            </a:r>
+            <a:r>
+              <a:rPr/>
+              <a:t> </a:t>
+            </a:r>
+            <a:r>
+              <a:rPr/>
+              <a:t>output,</a:t>
+            </a:r>
+            <a:r>
+              <a:rPr/>
+              <a:t> </a:t>
+            </a:r>
+            <a:r>
+              <a:rPr/>
+              <a:t>last</a:t>
+            </a:r>
+            <a:r>
+              <a:rPr/>
+              <a:t> </a:t>
+            </a:r>
+            <a:r>
+              <a:rPr/>
+              <a:t>set</a:t>
+            </a:r>
+            <a:r>
+              <a:rPr/>
+              <a:t> </a:t>
+            </a:r>
+            <a:r>
+              <a:rPr/>
+              <a:t>of</a:t>
+            </a:r>
+            <a:r>
+              <a:rPr/>
+              <a:t> </a:t>
+            </a:r>
+            <a:r>
+              <a:rPr/>
+              <a:t>free</a:t>
+            </a:r>
+            <a:r>
+              <a:rPr/>
+              <a:t> </a:t>
+            </a:r>
+            <a:r>
+              <a:rPr/>
+              <a:t>text</a:t>
+            </a:r>
+          </a:p>
+        </p:txBody>
+      </p:sp>
+      <p:pic>
+        <p:nvPicPr>
+          <p:cNvPr descr="../images/output-free-text-3.png" id="0" name="Picture 1"/>
+          <p:cNvPicPr>
+            <a:picLocks noGrp="1" noChangeAspect="1"/>
+          </p:cNvPicPr>
+          <p:nvPr/>
+        </p:nvPicPr>
+        <p:blipFill>
+          <a:blip r:embed="rId3"/>
+          <a:stretch>
+            <a:fillRect/>
+          </a:stretch>
+        </p:blipFill>
+        <p:spPr bwMode="auto">
+          <a:xfrm>
+            <a:off x="457200" y="3238500"/>
+            <a:ext cx="8229600" cy="736600"/>
+          </a:xfrm>
+          <a:prstGeom prst="rect">
+            <a:avLst/>
+          </a:prstGeom>
+          <a:noFill/>
+          <a:ln w="9525">
+            <a:noFill/>
+            <a:headEnd/>
+            <a:tailEnd/>
+          </a:ln>
+        </p:spPr>
+      </p:pic>
+      <p:sp>
+        <p:nvSpPr>
+          <p:cNvPr id="1" name="TextBox 3"/>
+          <p:cNvSpPr txBox="1"/>
+          <p:nvPr/>
+        </p:nvSpPr>
+        <p:spPr>
+          <a:xfrm>
+            <a:off x="457200" y="5613400"/>
+            <a:ext cx="8229600" cy="508000"/>
+          </a:xfrm>
+          <a:prstGeom prst="rect">
+            <a:avLst/>
+          </a:prstGeom>
+          <a:noFill/>
+        </p:spPr>
+        <p:txBody>
+          <a:bodyPr/>
+          <a:lstStyle/>
+          <a:p>
+            <a:pPr lvl="0" marL="0" indent="0" algn="ctr">
+              <a:buNone/>
+            </a:pPr>
+            <a:r>
+              <a:rPr/>
+              <a:t>Screenshot</a:t>
+            </a:r>
+            <a:r>
+              <a:rPr/>
+              <a:t> </a:t>
+            </a:r>
+            <a:r>
+              <a:rPr/>
+              <a:t>of</a:t>
+            </a:r>
+            <a:r>
+              <a:rPr/>
+              <a:t> </a:t>
+            </a:r>
+            <a:r>
+              <a:rPr/>
+              <a:t>output</a:t>
+            </a:r>
+            <a:r>
+              <a:rPr/>
+              <a:t> </a:t>
+            </a:r>
+            <a:r>
+              <a:rPr/>
+              <a:t>free</a:t>
+            </a:r>
+            <a:r>
+              <a:rPr/>
+              <a:t> </a:t>
+            </a:r>
+            <a:r>
+              <a:rPr/>
+              <a:t>text</a:t>
             </a:r>
           </a:p>
         </p:txBody>
@@ -11304,14 +13295,6 @@
               <a:rPr/>
               <a:t>structure</a:t>
             </a:r>
-            <a:r>
-              <a:rPr/>
-              <a:t> </a:t>
-            </a:r>
-            <a:r>
-              <a:rPr/>
-              <a:t>(1/2)</a:t>
-            </a:r>
           </a:p>
         </p:txBody>
       </p:sp>
@@ -11559,14 +13542,7 @@
             <a:pPr lvl="2"/>
             <a:r>
               <a:rPr/>
-              <a:t>raw data files</a:t>
-            </a:r>
-          </a:p>
-          <a:p>
-            <a:pPr lvl="2"/>
-            <a:r>
-              <a:rPr/>
-              <a:t>intermediate data files</a:t>
+              <a:t>raw/intermediate data files</a:t>
             </a:r>
           </a:p>
           <a:p>
@@ -11709,54 +13685,99 @@
             </a:r>
             <a:r>
               <a:rPr/>
-              <a:t>program</a:t>
-            </a:r>
-            <a:r>
-              <a:rPr/>
-              <a:t> </a:t>
-            </a:r>
-            <a:r>
-              <a:rPr/>
-              <a:t>(1/5)</a:t>
+              <a:t>program,</a:t>
+            </a:r>
+            <a:r>
+              <a:rPr/>
+              <a:t> </a:t>
+            </a:r>
+            <a:r>
+              <a:rPr/>
+              <a:t>overview</a:t>
             </a:r>
           </a:p>
         </p:txBody>
       </p:sp>
-      <p:sp>
-        <p:nvSpPr>
-          <p:cNvPr id="3" name="Content Placeholder 2"/>
-          <p:cNvSpPr>
-            <a:spLocks noGrp="1"/>
-          </p:cNvSpPr>
-          <p:nvPr>
-            <p:ph idx="1"/>
-          </p:nvPr>
-        </p:nvSpPr>
-        <p:spPr/>
+      <p:pic>
+        <p:nvPicPr>
+          <p:cNvPr descr="../images/small_program.png" id="0" name="Picture 1"/>
+          <p:cNvPicPr>
+            <a:picLocks noGrp="1" noChangeAspect="1"/>
+          </p:cNvPicPr>
+          <p:nvPr/>
+        </p:nvPicPr>
+        <p:blipFill>
+          <a:blip r:embed="rId3"/>
+          <a:stretch>
+            <a:fillRect/>
+          </a:stretch>
+        </p:blipFill>
+        <p:spPr bwMode="auto">
+          <a:xfrm>
+            <a:off x="1549400" y="1600200"/>
+            <a:ext cx="6032500" cy="4013200"/>
+          </a:xfrm>
+          <a:prstGeom prst="rect">
+            <a:avLst/>
+          </a:prstGeom>
+          <a:noFill/>
+          <a:ln w="9525">
+            <a:noFill/>
+            <a:headEnd/>
+            <a:tailEnd/>
+          </a:ln>
+        </p:spPr>
+      </p:pic>
+      <p:sp>
+        <p:nvSpPr>
+          <p:cNvPr id="1" name="TextBox 3"/>
+          <p:cNvSpPr txBox="1"/>
+          <p:nvPr/>
+        </p:nvSpPr>
+        <p:spPr>
+          <a:xfrm>
+            <a:off x="457200" y="5613400"/>
+            <a:ext cx="8229600" cy="508000"/>
+          </a:xfrm>
+          <a:prstGeom prst="rect">
+            <a:avLst/>
+          </a:prstGeom>
+          <a:noFill/>
+        </p:spPr>
         <p:txBody>
           <a:bodyPr/>
           <a:lstStyle/>
           <a:p>
-            <a:pPr lvl="1"/>
-            <a:r>
-              <a:rPr/>
-              <a:t>Rmarkdown code</a:t>
-            </a:r>
-          </a:p>
-          <a:p>
-            <a:pPr lvl="0" marL="1270000" indent="0">
+            <a:pPr lvl="0" marL="0" indent="0" algn="ctr">
               <a:buNone/>
             </a:pPr>
             <a:r>
-              <a:rPr sz="1800">
-                <a:latin typeface="Courier"/>
-              </a:rPr>
-              <a:t>---
-title: "Small program"
-author: "Steve Simon"
-date: "Created 2019-01-28"
-output: html_document
----</a:t>
+              <a:rPr/>
+              <a:t>Full</a:t>
+            </a:r>
+            <a:r>
+              <a:rPr/>
+              <a:t> </a:t>
+            </a:r>
+            <a:r>
+              <a:rPr/>
+              <a:t>listing</a:t>
+            </a:r>
+            <a:r>
+              <a:rPr/>
+              <a:t> </a:t>
+            </a:r>
+            <a:r>
+              <a:rPr/>
+              <a:t>of</a:t>
+            </a:r>
+            <a:r>
+              <a:rPr/>
+              <a:t> </a:t>
+            </a:r>
+            <a:r>
+              <a:rPr/>
+              <a:t>small_program.Rmd</a:t>
             </a:r>
           </a:p>
         </p:txBody>
@@ -11835,15 +13856,23 @@
             </a:r>
             <a:r>
               <a:rPr/>
-              <a:t>program</a:t>
-            </a:r>
-            <a:r>
-              <a:rPr/>
-              <a:t> </a:t>
-            </a:r>
-            <a:r>
-              <a:rPr/>
-              <a:t>(2/5)</a:t>
+              <a:t>R</a:t>
+            </a:r>
+            <a:r>
+              <a:rPr/>
+              <a:t> </a:t>
+            </a:r>
+            <a:r>
+              <a:rPr/>
+              <a:t>program,</a:t>
+            </a:r>
+            <a:r>
+              <a:rPr/>
+              <a:t> </a:t>
+            </a:r>
+            <a:r>
+              <a:rPr/>
+              <a:t>header</a:t>
             </a:r>
           </a:p>
         </p:txBody>
@@ -11877,8 +13906,12 @@
               <a:rPr sz="1800">
                 <a:latin typeface="Courier"/>
               </a:rPr>
-              <a:t>
-This is a small program written in Rmarkdown to help you get started if you've never written an R program before.</a:t>
+              <a:t>---
+title: "Small program"
+author: "Steve Simon"
+date: "Created 2019-01-28"
+output: html_document
+---</a:t>
             </a:r>
           </a:p>
         </p:txBody>

--- a/part1/src/slides.pptx
+++ b/part1/src/slides.pptx
@@ -5,7 +5,7 @@
     <p:sldMasterId id="2147483648" r:id="rId1"/>
   </p:sldMasterIdLst>
   <p:notesMasterIdLst>
-    <p:NotesMasterId r:id="rId24"/>
+    <p:NotesMasterId r:id="rId25"/>
   </p:notesMasterIdLst>
   <p:sldIdLst>
     <p:sldId id="256" r:id="rId2"/>
@@ -30,6 +30,7 @@
     <p:sldId id="275" r:id="rId21"/>
     <p:sldId id="276" r:id="rId22"/>
     <p:sldId id="277" r:id="rId23"/>
+    <p:sldId id="278" r:id="rId24"/>
   </p:sldIdLst>
   <p:sldSz cx="9144000" cy="6858000" type="screen4x3"/>
   <p:notesSz cx="6858000" cy="9144000"/>
@@ -2881,6 +2882,510 @@
             <a:fld id="{18BDFEC3-8487-43E8-A154-7C12CBC1FFF2}" type="slidenum">
               <a:rPr lang="en-US"/>
               <a:t>22</a:t>
+            </a:fld>
+            <a:endParaRPr lang="en-US"/>
+          </a:p>
+        </p:txBody>
+      </p:sp>
+    </p:spTree>
+  </p:cSld>
+</p:notes>
+</file>
+
+<file path=ppt/notesSlides/notesSlide17.xml><?xml version="1.0" encoding="utf-8"?>
+<p:notes xmlns:a="http://schemas.openxmlformats.org/drawingml/2006/main" xmlns:r="http://schemas.openxmlformats.org/officeDocument/2006/relationships" xmlns:p="http://schemas.openxmlformats.org/presentationml/2006/main">
+  <p:cSld>
+    <p:spTree>
+      <p:nvGrpSpPr>
+        <p:cNvPr id="1" name=""/>
+        <p:cNvGrpSpPr/>
+        <p:nvPr/>
+      </p:nvGrpSpPr>
+      <p:grpSpPr>
+        <a:xfrm>
+          <a:off x="0" y="0"/>
+          <a:ext cx="0" cy="0"/>
+          <a:chOff x="0" y="0"/>
+          <a:chExt cx="0" cy="0"/>
+        </a:xfrm>
+      </p:grpSpPr>
+      <p:sp>
+        <p:nvSpPr>
+          <p:cNvPr id="2" name="Slide Image Placeholder 1"/>
+          <p:cNvSpPr>
+            <a:spLocks noGrp="1" noRot="1" noChangeAspect="1"/>
+          </p:cNvSpPr>
+          <p:nvPr>
+            <p:ph type="sldImg"/>
+          </p:nvPr>
+        </p:nvSpPr>
+        <p:spPr/>
+      </p:sp>
+      <p:sp>
+        <p:nvSpPr>
+          <p:cNvPr id="3" name="Notes Placeholder 2"/>
+          <p:cNvSpPr>
+            <a:spLocks noGrp="1"/>
+          </p:cNvSpPr>
+          <p:nvPr>
+            <p:ph type="body" idx="1"/>
+          </p:nvPr>
+        </p:nvSpPr>
+        <p:spPr/>
+        <p:txBody>
+          <a:bodyPr/>
+          <a:lstStyle/>
+          <a:p>
+            <a:pPr lvl="0" marL="0" indent="0">
+              <a:buNone/>
+            </a:pPr>
+            <a:r>
+              <a:rPr/>
+              <a:t>This</a:t>
+            </a:r>
+            <a:r>
+              <a:rPr/>
+              <a:t> </a:t>
+            </a:r>
+            <a:r>
+              <a:rPr/>
+              <a:t>is</a:t>
+            </a:r>
+            <a:r>
+              <a:rPr/>
+              <a:t> </a:t>
+            </a:r>
+            <a:r>
+              <a:rPr/>
+              <a:t>a</a:t>
+            </a:r>
+            <a:r>
+              <a:rPr/>
+              <a:t> </a:t>
+            </a:r>
+            <a:r>
+              <a:rPr/>
+              <a:t>very</a:t>
+            </a:r>
+            <a:r>
+              <a:rPr/>
+              <a:t> </a:t>
+            </a:r>
+            <a:r>
+              <a:rPr/>
+              <a:t>basic</a:t>
+            </a:r>
+            <a:r>
+              <a:rPr/>
+              <a:t> </a:t>
+            </a:r>
+            <a:r>
+              <a:rPr/>
+              <a:t>start.</a:t>
+            </a:r>
+            <a:r>
+              <a:rPr/>
+              <a:t> </a:t>
+            </a:r>
+            <a:r>
+              <a:rPr/>
+              <a:t>You</a:t>
+            </a:r>
+            <a:r>
+              <a:rPr/>
+              <a:t> </a:t>
+            </a:r>
+            <a:r>
+              <a:rPr/>
+              <a:t>saw</a:t>
+            </a:r>
+            <a:r>
+              <a:rPr/>
+              <a:t> </a:t>
+            </a:r>
+            <a:r>
+              <a:rPr/>
+              <a:t>the</a:t>
+            </a:r>
+            <a:r>
+              <a:rPr/>
+              <a:t> </a:t>
+            </a:r>
+            <a:r>
+              <a:rPr/>
+              <a:t>web</a:t>
+            </a:r>
+            <a:r>
+              <a:rPr/>
+              <a:t> </a:t>
+            </a:r>
+            <a:r>
+              <a:rPr/>
+              <a:t>pages</a:t>
+            </a:r>
+            <a:r>
+              <a:rPr/>
+              <a:t> </a:t>
+            </a:r>
+            <a:r>
+              <a:rPr/>
+              <a:t>where</a:t>
+            </a:r>
+            <a:r>
+              <a:rPr/>
+              <a:t> </a:t>
+            </a:r>
+            <a:r>
+              <a:rPr/>
+              <a:t>you</a:t>
+            </a:r>
+            <a:r>
+              <a:rPr/>
+              <a:t> </a:t>
+            </a:r>
+            <a:r>
+              <a:rPr/>
+              <a:t>install</a:t>
+            </a:r>
+            <a:r>
+              <a:rPr/>
+              <a:t> </a:t>
+            </a:r>
+            <a:r>
+              <a:rPr/>
+              <a:t>R</a:t>
+            </a:r>
+            <a:r>
+              <a:rPr/>
+              <a:t> </a:t>
+            </a:r>
+            <a:r>
+              <a:rPr/>
+              <a:t>and</a:t>
+            </a:r>
+            <a:r>
+              <a:rPr/>
+              <a:t> </a:t>
+            </a:r>
+            <a:r>
+              <a:rPr/>
+              <a:t>RStudio</a:t>
+            </a:r>
+            <a:r>
+              <a:rPr/>
+              <a:t> </a:t>
+            </a:r>
+            <a:r>
+              <a:rPr/>
+              <a:t>from.</a:t>
+            </a:r>
+            <a:r>
+              <a:rPr/>
+              <a:t> </a:t>
+            </a:r>
+            <a:r>
+              <a:rPr/>
+              <a:t>Then</a:t>
+            </a:r>
+            <a:r>
+              <a:rPr/>
+              <a:t> </a:t>
+            </a:r>
+            <a:r>
+              <a:rPr/>
+              <a:t>you</a:t>
+            </a:r>
+            <a:r>
+              <a:rPr/>
+              <a:t> </a:t>
+            </a:r>
+            <a:r>
+              <a:rPr/>
+              <a:t>saw</a:t>
+            </a:r>
+            <a:r>
+              <a:rPr/>
+              <a:t> </a:t>
+            </a:r>
+            <a:r>
+              <a:rPr/>
+              <a:t>the</a:t>
+            </a:r>
+            <a:r>
+              <a:rPr/>
+              <a:t> </a:t>
+            </a:r>
+            <a:r>
+              <a:rPr/>
+              <a:t>pieces</a:t>
+            </a:r>
+            <a:r>
+              <a:rPr/>
+              <a:t> </a:t>
+            </a:r>
+            <a:r>
+              <a:rPr/>
+              <a:t>of</a:t>
+            </a:r>
+            <a:r>
+              <a:rPr/>
+              <a:t> </a:t>
+            </a:r>
+            <a:r>
+              <a:rPr/>
+              <a:t>a</a:t>
+            </a:r>
+            <a:r>
+              <a:rPr/>
+              <a:t> </a:t>
+            </a:r>
+            <a:r>
+              <a:rPr/>
+              <a:t>small</a:t>
+            </a:r>
+            <a:r>
+              <a:rPr/>
+              <a:t> </a:t>
+            </a:r>
+            <a:r>
+              <a:rPr/>
+              <a:t>program</a:t>
+            </a:r>
+            <a:r>
+              <a:rPr/>
+              <a:t> </a:t>
+            </a:r>
+            <a:r>
+              <a:rPr/>
+              <a:t>written</a:t>
+            </a:r>
+            <a:r>
+              <a:rPr/>
+              <a:t> </a:t>
+            </a:r>
+            <a:r>
+              <a:rPr/>
+              <a:t>in</a:t>
+            </a:r>
+            <a:r>
+              <a:rPr/>
+              <a:t> </a:t>
+            </a:r>
+            <a:r>
+              <a:rPr/>
+              <a:t>Rmarkdown,</a:t>
+            </a:r>
+            <a:r>
+              <a:rPr/>
+              <a:t> </a:t>
+            </a:r>
+            <a:r>
+              <a:rPr/>
+              <a:t>as</a:t>
+            </a:r>
+            <a:r>
+              <a:rPr/>
+              <a:t> </a:t>
+            </a:r>
+            <a:r>
+              <a:rPr/>
+              <a:t>well</a:t>
+            </a:r>
+            <a:r>
+              <a:rPr/>
+              <a:t> </a:t>
+            </a:r>
+            <a:r>
+              <a:rPr/>
+              <a:t>as</a:t>
+            </a:r>
+            <a:r>
+              <a:rPr/>
+              <a:t> </a:t>
+            </a:r>
+            <a:r>
+              <a:rPr/>
+              <a:t>the</a:t>
+            </a:r>
+            <a:r>
+              <a:rPr/>
+              <a:t> </a:t>
+            </a:r>
+            <a:r>
+              <a:rPr/>
+              <a:t>output.</a:t>
+            </a:r>
+          </a:p>
+          <a:p>
+            <a:pPr lvl="0" marL="0" indent="0">
+              <a:buNone/>
+            </a:pPr>
+          </a:p>
+          <a:p>
+            <a:pPr lvl="0" marL="0" indent="0">
+              <a:buNone/>
+            </a:pPr>
+            <a:r>
+              <a:rPr/>
+              <a:t>Take</a:t>
+            </a:r>
+            <a:r>
+              <a:rPr/>
+              <a:t> </a:t>
+            </a:r>
+            <a:r>
+              <a:rPr/>
+              <a:t>a</a:t>
+            </a:r>
+            <a:r>
+              <a:rPr/>
+              <a:t> </a:t>
+            </a:r>
+            <a:r>
+              <a:rPr/>
+              <a:t>look</a:t>
+            </a:r>
+            <a:r>
+              <a:rPr/>
+              <a:t> </a:t>
+            </a:r>
+            <a:r>
+              <a:rPr/>
+              <a:t>at</a:t>
+            </a:r>
+            <a:r>
+              <a:rPr/>
+              <a:t> </a:t>
+            </a:r>
+            <a:r>
+              <a:rPr/>
+              <a:t>Canvas,</a:t>
+            </a:r>
+            <a:r>
+              <a:rPr/>
+              <a:t> </a:t>
+            </a:r>
+            <a:r>
+              <a:rPr/>
+              <a:t>please,</a:t>
+            </a:r>
+            <a:r>
+              <a:rPr/>
+              <a:t> </a:t>
+            </a:r>
+            <a:r>
+              <a:rPr/>
+              <a:t>to</a:t>
+            </a:r>
+            <a:r>
+              <a:rPr/>
+              <a:t> </a:t>
+            </a:r>
+            <a:r>
+              <a:rPr/>
+              <a:t>see</a:t>
+            </a:r>
+            <a:r>
+              <a:rPr/>
+              <a:t> </a:t>
+            </a:r>
+            <a:r>
+              <a:rPr/>
+              <a:t>the</a:t>
+            </a:r>
+            <a:r>
+              <a:rPr/>
+              <a:t> </a:t>
+            </a:r>
+            <a:r>
+              <a:rPr/>
+              <a:t>work</a:t>
+            </a:r>
+            <a:r>
+              <a:rPr/>
+              <a:t> </a:t>
+            </a:r>
+            <a:r>
+              <a:rPr/>
+              <a:t>that</a:t>
+            </a:r>
+            <a:r>
+              <a:rPr/>
+              <a:t> </a:t>
+            </a:r>
+            <a:r>
+              <a:rPr/>
+              <a:t>you</a:t>
+            </a:r>
+            <a:r>
+              <a:rPr/>
+              <a:t> </a:t>
+            </a:r>
+            <a:r>
+              <a:rPr/>
+              <a:t>need</a:t>
+            </a:r>
+            <a:r>
+              <a:rPr/>
+              <a:t> </a:t>
+            </a:r>
+            <a:r>
+              <a:rPr/>
+              <a:t>to</a:t>
+            </a:r>
+            <a:r>
+              <a:rPr/>
+              <a:t> </a:t>
+            </a:r>
+            <a:r>
+              <a:rPr/>
+              <a:t>do</a:t>
+            </a:r>
+            <a:r>
+              <a:rPr/>
+              <a:t> </a:t>
+            </a:r>
+            <a:r>
+              <a:rPr/>
+              <a:t>for</a:t>
+            </a:r>
+            <a:r>
+              <a:rPr/>
+              <a:t> </a:t>
+            </a:r>
+            <a:r>
+              <a:rPr/>
+              <a:t>this</a:t>
+            </a:r>
+            <a:r>
+              <a:rPr/>
+              <a:t> </a:t>
+            </a:r>
+            <a:r>
+              <a:rPr/>
+              <a:t>module.</a:t>
+            </a:r>
+          </a:p>
+        </p:txBody>
+      </p:sp>
+      <p:sp>
+        <p:nvSpPr>
+          <p:cNvPr id="4" name="Slide Number Placeholder 3"/>
+          <p:cNvSpPr>
+            <a:spLocks noGrp="1"/>
+          </p:cNvSpPr>
+          <p:nvPr>
+            <p:ph type="sldNum" sz="quarter" idx="10"/>
+          </p:nvPr>
+        </p:nvSpPr>
+        <p:spPr/>
+        <p:txBody>
+          <a:bodyPr/>
+          <a:lstStyle/>
+          <a:p>
+            <a:fld id="{18BDFEC3-8487-43E8-A154-7C12CBC1FFF2}" type="slidenum">
+              <a:rPr lang="en-US"/>
+              <a:t>23</a:t>
             </a:fld>
             <a:endParaRPr lang="en-US"/>
           </a:p>
@@ -10476,15 +10981,23 @@
             </a:r>
             <a:r>
               <a:rPr/>
-              <a:t>Data</a:t>
-            </a:r>
-            <a:r>
-              <a:rPr/>
-              <a:t> </a:t>
-            </a:r>
-            <a:r>
-              <a:rPr/>
-              <a:t>frames</a:t>
+              <a:t>A</a:t>
+            </a:r>
+            <a:r>
+              <a:rPr/>
+              <a:t> </a:t>
+            </a:r>
+            <a:r>
+              <a:rPr/>
+              <a:t>small</a:t>
+            </a:r>
+            <a:r>
+              <a:rPr/>
+              <a:t> </a:t>
+            </a:r>
+            <a:r>
+              <a:rPr/>
+              <a:t>program</a:t>
             </a:r>
           </a:p>
         </p:txBody>
@@ -11293,7 +11806,7 @@
                 <a:latin typeface="Courier"/>
               </a:rPr>
               <a:t>
-This is a very simple program, but iIf you can get this program to run, you will probably have smooth sailing for the rest of the class.</a:t>
+This is a very simple program, but if you can get this program to run, you will probably have smooth sailing for the rest of the class.</a:t>
             </a:r>
           </a:p>
         </p:txBody>
@@ -12192,7 +12705,7 @@
             <a:pPr lvl="2"/>
             <a:r>
               <a:rPr/>
-              <a:t>Buy beyond scope of this class</a:t>
+              <a:t>But beyond scope of this class</a:t>
             </a:r>
           </a:p>
           <a:p>
@@ -12754,6 +13267,104 @@
             <a:r>
               <a:rPr/>
               <a:t>text</a:t>
+            </a:r>
+          </a:p>
+        </p:txBody>
+      </p:sp>
+    </p:spTree>
+  </p:cSld>
+</p:sld>
+</file>
+
+<file path=ppt/slides/slide23.xml><?xml version="1.0" encoding="utf-8"?>
+<p:sld xmlns:a="http://schemas.openxmlformats.org/drawingml/2006/main" xmlns:r="http://schemas.openxmlformats.org/officeDocument/2006/relationships" xmlns:p="http://schemas.openxmlformats.org/presentationml/2006/main">
+  <p:cSld>
+    <p:spTree>
+      <p:nvGrpSpPr>
+        <p:cNvPr id="1" name=""/>
+        <p:cNvGrpSpPr/>
+        <p:nvPr/>
+      </p:nvGrpSpPr>
+      <p:grpSpPr>
+        <a:xfrm>
+          <a:off x="0" y="0"/>
+          <a:ext cx="0" cy="0"/>
+          <a:chOff x="0" y="0"/>
+          <a:chExt cx="0" cy="0"/>
+        </a:xfrm>
+      </p:grpSpPr>
+      <p:sp>
+        <p:nvSpPr>
+          <p:cNvPr id="2" name="Title 1"/>
+          <p:cNvSpPr>
+            <a:spLocks noGrp="1"/>
+          </p:cNvSpPr>
+          <p:nvPr>
+            <p:ph type="title"/>
+          </p:nvPr>
+        </p:nvSpPr>
+        <p:spPr/>
+        <p:txBody>
+          <a:bodyPr/>
+          <a:lstStyle/>
+          <a:p>
+            <a:pPr lvl="0" marL="0" indent="0">
+              <a:buNone/>
+            </a:pPr>
+            <a:r>
+              <a:rPr/>
+              <a:t>Review</a:t>
+            </a:r>
+          </a:p>
+        </p:txBody>
+      </p:sp>
+      <p:sp>
+        <p:nvSpPr>
+          <p:cNvPr id="3" name="Content Placeholder 2"/>
+          <p:cNvSpPr>
+            <a:spLocks noGrp="1"/>
+          </p:cNvSpPr>
+          <p:nvPr>
+            <p:ph idx="1"/>
+          </p:nvPr>
+        </p:nvSpPr>
+        <p:spPr/>
+        <p:txBody>
+          <a:bodyPr/>
+          <a:lstStyle/>
+          <a:p>
+            <a:pPr lvl="1"/>
+            <a:r>
+              <a:rPr/>
+              <a:t>In this video, you saw</a:t>
+            </a:r>
+          </a:p>
+          <a:p>
+            <a:pPr lvl="2"/>
+            <a:r>
+              <a:rPr/>
+              <a:t>Installation pages for R, RStudio</a:t>
+            </a:r>
+          </a:p>
+          <a:p>
+            <a:pPr lvl="2"/>
+            <a:r>
+              <a:rPr/>
+              <a:t>Anatomy of a small program</a:t>
+            </a:r>
+          </a:p>
+          <a:p>
+            <a:pPr lvl="2"/>
+            <a:r>
+              <a:rPr/>
+              <a:t>Output from the small program</a:t>
+            </a:r>
+          </a:p>
+          <a:p>
+            <a:pPr lvl="1"/>
+            <a:r>
+              <a:rPr/>
+              <a:t>Review Canvas for the work assigned to this module</a:t>
             </a:r>
           </a:p>
         </p:txBody>
